--- a/files/CSE291MIST/slides/16.pptx
+++ b/files/CSE291MIST/slides/16.pptx
@@ -5,7 +5,7 @@
     <p:sldMasterId id="2147483672" r:id="rId1"/>
   </p:sldMasterIdLst>
   <p:notesMasterIdLst>
-    <p:notesMasterId r:id="rId25"/>
+    <p:notesMasterId r:id="rId21"/>
   </p:notesMasterIdLst>
   <p:sldIdLst>
     <p:sldId id="377" r:id="rId2"/>
@@ -15,22 +15,18 @@
     <p:sldId id="363" r:id="rId6"/>
     <p:sldId id="365" r:id="rId7"/>
     <p:sldId id="364" r:id="rId8"/>
-    <p:sldId id="366" r:id="rId9"/>
-    <p:sldId id="380" r:id="rId10"/>
-    <p:sldId id="367" r:id="rId11"/>
-    <p:sldId id="368" r:id="rId12"/>
-    <p:sldId id="369" r:id="rId13"/>
-    <p:sldId id="386" r:id="rId14"/>
-    <p:sldId id="385" r:id="rId15"/>
-    <p:sldId id="384" r:id="rId16"/>
-    <p:sldId id="383" r:id="rId17"/>
-    <p:sldId id="370" r:id="rId18"/>
-    <p:sldId id="387" r:id="rId19"/>
-    <p:sldId id="371" r:id="rId20"/>
-    <p:sldId id="373" r:id="rId21"/>
-    <p:sldId id="374" r:id="rId22"/>
-    <p:sldId id="376" r:id="rId23"/>
-    <p:sldId id="375" r:id="rId24"/>
+    <p:sldId id="369" r:id="rId9"/>
+    <p:sldId id="386" r:id="rId10"/>
+    <p:sldId id="385" r:id="rId11"/>
+    <p:sldId id="384" r:id="rId12"/>
+    <p:sldId id="383" r:id="rId13"/>
+    <p:sldId id="370" r:id="rId14"/>
+    <p:sldId id="387" r:id="rId15"/>
+    <p:sldId id="371" r:id="rId16"/>
+    <p:sldId id="373" r:id="rId17"/>
+    <p:sldId id="374" r:id="rId18"/>
+    <p:sldId id="376" r:id="rId19"/>
+    <p:sldId id="375" r:id="rId20"/>
   </p:sldIdLst>
   <p:sldSz cx="9144000" cy="6858000" type="screen4x3"/>
   <p:notesSz cx="6858000" cy="9144000"/>
@@ -219,7 +215,7 @@
           <a:p>
             <a:fld id="{57D34C68-5805-4807-B65F-78862F29EDD1}" type="datetimeFigureOut">
               <a:rPr lang="en-US" smtClean="0"/>
-              <a:t>4/22/2019</a:t>
+              <a:t>4/26/2019</a:t>
             </a:fld>
             <a:endParaRPr lang="en-US"/>
           </a:p>
@@ -713,7 +709,7 @@
           <a:p>
             <a:fld id="{825ECD10-AE82-4E7D-AE36-ADCE6DC287EC}" type="datetimeFigureOut">
               <a:rPr lang="en-US" smtClean="0"/>
-              <a:t>4/22/2019</a:t>
+              <a:t>4/26/2019</a:t>
             </a:fld>
             <a:endParaRPr lang="en-US"/>
           </a:p>
@@ -921,7 +917,7 @@
           <a:p>
             <a:fld id="{825ECD10-AE82-4E7D-AE36-ADCE6DC287EC}" type="datetimeFigureOut">
               <a:rPr lang="en-US" smtClean="0"/>
-              <a:t>4/22/2019</a:t>
+              <a:t>4/26/2019</a:t>
             </a:fld>
             <a:endParaRPr lang="en-US"/>
           </a:p>
@@ -1177,7 +1173,7 @@
           <a:p>
             <a:fld id="{825ECD10-AE82-4E7D-AE36-ADCE6DC287EC}" type="datetimeFigureOut">
               <a:rPr lang="en-US" smtClean="0"/>
-              <a:t>4/22/2019</a:t>
+              <a:t>4/26/2019</a:t>
             </a:fld>
             <a:endParaRPr lang="en-US"/>
           </a:p>
@@ -1347,7 +1343,7 @@
           <a:p>
             <a:fld id="{825ECD10-AE82-4E7D-AE36-ADCE6DC287EC}" type="datetimeFigureOut">
               <a:rPr lang="en-US" smtClean="0"/>
-              <a:t>4/22/2019</a:t>
+              <a:t>4/26/2019</a:t>
             </a:fld>
             <a:endParaRPr lang="en-US"/>
           </a:p>
@@ -1690,7 +1686,7 @@
           <a:p>
             <a:fld id="{825ECD10-AE82-4E7D-AE36-ADCE6DC287EC}" type="datetimeFigureOut">
               <a:rPr lang="en-US" smtClean="0"/>
-              <a:t>4/22/2019</a:t>
+              <a:t>4/26/2019</a:t>
             </a:fld>
             <a:endParaRPr lang="en-US"/>
           </a:p>
@@ -1965,7 +1961,7 @@
           <a:p>
             <a:fld id="{825ECD10-AE82-4E7D-AE36-ADCE6DC287EC}" type="datetimeFigureOut">
               <a:rPr lang="en-US" smtClean="0"/>
-              <a:t>4/22/2019</a:t>
+              <a:t>4/26/2019</a:t>
             </a:fld>
             <a:endParaRPr lang="en-US"/>
           </a:p>
@@ -2344,7 +2340,7 @@
           <a:p>
             <a:fld id="{825ECD10-AE82-4E7D-AE36-ADCE6DC287EC}" type="datetimeFigureOut">
               <a:rPr lang="en-US" smtClean="0"/>
-              <a:t>4/22/2019</a:t>
+              <a:t>4/26/2019</a:t>
             </a:fld>
             <a:endParaRPr lang="en-US"/>
           </a:p>
@@ -2462,7 +2458,7 @@
           <a:p>
             <a:fld id="{825ECD10-AE82-4E7D-AE36-ADCE6DC287EC}" type="datetimeFigureOut">
               <a:rPr lang="en-US" smtClean="0"/>
-              <a:t>4/22/2019</a:t>
+              <a:t>4/26/2019</a:t>
             </a:fld>
             <a:endParaRPr lang="en-US"/>
           </a:p>
@@ -2633,7 +2629,7 @@
           <a:p>
             <a:fld id="{825ECD10-AE82-4E7D-AE36-ADCE6DC287EC}" type="datetimeFigureOut">
               <a:rPr lang="en-US" smtClean="0"/>
-              <a:t>4/22/2019</a:t>
+              <a:t>4/26/2019</a:t>
             </a:fld>
             <a:endParaRPr lang="en-US"/>
           </a:p>
@@ -2987,7 +2983,7 @@
           <a:p>
             <a:fld id="{825ECD10-AE82-4E7D-AE36-ADCE6DC287EC}" type="datetimeFigureOut">
               <a:rPr lang="en-US" smtClean="0"/>
-              <a:t>4/22/2019</a:t>
+              <a:t>4/26/2019</a:t>
             </a:fld>
             <a:endParaRPr lang="en-US"/>
           </a:p>
@@ -3369,7 +3365,7 @@
           <a:p>
             <a:fld id="{825ECD10-AE82-4E7D-AE36-ADCE6DC287EC}" type="datetimeFigureOut">
               <a:rPr lang="en-US" smtClean="0"/>
-              <a:t>4/22/2019</a:t>
+              <a:t>4/26/2019</a:t>
             </a:fld>
             <a:endParaRPr lang="en-US"/>
           </a:p>
@@ -3656,7 +3652,7 @@
           <a:p>
             <a:fld id="{825ECD10-AE82-4E7D-AE36-ADCE6DC287EC}" type="datetimeFigureOut">
               <a:rPr lang="en-US" smtClean="0"/>
-              <a:t>4/22/2019</a:t>
+              <a:t>4/26/2019</a:t>
             </a:fld>
             <a:endParaRPr lang="en-US"/>
           </a:p>
@@ -4297,1916 +4293,6 @@
         </p:nvSpPr>
         <p:spPr>
           <a:xfrm>
-            <a:off x="6766560" y="2264898"/>
-            <a:ext cx="1828800" cy="1237957"/>
-          </a:xfrm>
-          <a:prstGeom prst="rect">
-            <a:avLst/>
-          </a:prstGeom>
-          <a:solidFill>
-            <a:schemeClr val="bg1"/>
-          </a:solidFill>
-          <a:ln>
-            <a:solidFill>
-              <a:schemeClr val="tx1"/>
-            </a:solidFill>
-          </a:ln>
-        </p:spPr>
-        <p:style>
-          <a:lnRef idx="2">
-            <a:schemeClr val="accent1">
-              <a:shade val="50000"/>
-            </a:schemeClr>
-          </a:lnRef>
-          <a:fillRef idx="1">
-            <a:schemeClr val="accent1"/>
-          </a:fillRef>
-          <a:effectRef idx="0">
-            <a:schemeClr val="accent1"/>
-          </a:effectRef>
-          <a:fontRef idx="minor">
-            <a:schemeClr val="lt1"/>
-          </a:fontRef>
-        </p:style>
-        <p:txBody>
-          <a:bodyPr rtlCol="0" anchor="ctr"/>
-          <a:lstStyle/>
-          <a:p>
-            <a:pPr algn="ctr"/>
-            <a:endParaRPr lang="en-US"/>
-          </a:p>
-        </p:txBody>
-      </p:sp>
-      <p:sp>
-        <p:nvSpPr>
-          <p:cNvPr id="4" name="TextBox 3"/>
-          <p:cNvSpPr txBox="1"/>
-          <p:nvPr/>
-        </p:nvSpPr>
-        <p:spPr>
-          <a:xfrm>
-            <a:off x="357809" y="331304"/>
-            <a:ext cx="4921540" cy="553998"/>
-          </a:xfrm>
-          <a:prstGeom prst="rect">
-            <a:avLst/>
-          </a:prstGeom>
-          <a:noFill/>
-        </p:spPr>
-        <p:txBody>
-          <a:bodyPr wrap="none" rtlCol="0">
-            <a:spAutoFit/>
-          </a:bodyPr>
-          <a:lstStyle/>
-          <a:p>
-            <a:r>
-              <a:rPr lang="en-US" sz="3000" b="1" dirty="0" smtClean="0">
-                <a:latin typeface="Open Sans" panose="020B0606030504020204" pitchFamily="34" charset="0"/>
-                <a:ea typeface="Open Sans" panose="020B0606030504020204" pitchFamily="34" charset="0"/>
-                <a:cs typeface="Open Sans" panose="020B0606030504020204" pitchFamily="34" charset="0"/>
-              </a:rPr>
-              <a:t>Concept of writing in a File</a:t>
-            </a:r>
-            <a:endParaRPr lang="en-US" sz="3000" b="1" dirty="0">
-              <a:latin typeface="Open Sans" panose="020B0606030504020204" pitchFamily="34" charset="0"/>
-              <a:ea typeface="Open Sans" panose="020B0606030504020204" pitchFamily="34" charset="0"/>
-              <a:cs typeface="Open Sans" panose="020B0606030504020204" pitchFamily="34" charset="0"/>
-            </a:endParaRPr>
-          </a:p>
-        </p:txBody>
-      </p:sp>
-      <p:sp>
-        <p:nvSpPr>
-          <p:cNvPr id="11" name="Rounded Rectangle 10"/>
-          <p:cNvSpPr/>
-          <p:nvPr/>
-        </p:nvSpPr>
-        <p:spPr>
-          <a:xfrm>
-            <a:off x="5279349" y="1200556"/>
-            <a:ext cx="1223889" cy="506437"/>
-          </a:xfrm>
-          <a:prstGeom prst="roundRect">
-            <a:avLst/>
-          </a:prstGeom>
-          <a:solidFill>
-            <a:schemeClr val="bg1">
-              <a:lumMod val="85000"/>
-            </a:schemeClr>
-          </a:solidFill>
-          <a:ln>
-            <a:solidFill>
-              <a:schemeClr val="tx1">
-                <a:lumMod val="50000"/>
-                <a:lumOff val="50000"/>
-              </a:schemeClr>
-            </a:solidFill>
-          </a:ln>
-        </p:spPr>
-        <p:style>
-          <a:lnRef idx="2">
-            <a:schemeClr val="accent1">
-              <a:shade val="50000"/>
-            </a:schemeClr>
-          </a:lnRef>
-          <a:fillRef idx="1">
-            <a:schemeClr val="accent1"/>
-          </a:fillRef>
-          <a:effectRef idx="0">
-            <a:schemeClr val="accent1"/>
-          </a:effectRef>
-          <a:fontRef idx="minor">
-            <a:schemeClr val="lt1"/>
-          </a:fontRef>
-        </p:style>
-        <p:txBody>
-          <a:bodyPr rtlCol="0" anchor="ctr"/>
-          <a:lstStyle/>
-          <a:p>
-            <a:pPr algn="ctr"/>
-            <a:r>
-              <a:rPr lang="en-US" sz="2200" dirty="0" err="1" smtClean="0">
-                <a:solidFill>
-                  <a:schemeClr val="tx1"/>
-                </a:solidFill>
-                <a:latin typeface="Consolas" panose="020B0609020204030204" pitchFamily="49" charset="0"/>
-                <a:cs typeface="Consolas" panose="020B0609020204030204" pitchFamily="49" charset="0"/>
-              </a:rPr>
-              <a:t>fptr</a:t>
-            </a:r>
-            <a:endParaRPr lang="en-US" sz="2200" dirty="0">
-              <a:solidFill>
-                <a:schemeClr val="tx1"/>
-              </a:solidFill>
-              <a:latin typeface="Consolas" panose="020B0609020204030204" pitchFamily="49" charset="0"/>
-              <a:cs typeface="Consolas" panose="020B0609020204030204" pitchFamily="49" charset="0"/>
-            </a:endParaRPr>
-          </a:p>
-        </p:txBody>
-      </p:sp>
-      <p:cxnSp>
-        <p:nvCxnSpPr>
-          <p:cNvPr id="14" name="Straight Arrow Connector 13"/>
-          <p:cNvCxnSpPr>
-            <a:stCxn id="11" idx="3"/>
-          </p:cNvCxnSpPr>
-          <p:nvPr/>
-        </p:nvCxnSpPr>
-        <p:spPr>
-          <a:xfrm>
-            <a:off x="6503238" y="1453775"/>
-            <a:ext cx="375864" cy="937732"/>
-          </a:xfrm>
-          <a:prstGeom prst="straightConnector1">
-            <a:avLst/>
-          </a:prstGeom>
-          <a:ln>
-            <a:solidFill>
-              <a:schemeClr val="tx1"/>
-            </a:solidFill>
-            <a:tailEnd type="triangle"/>
-          </a:ln>
-        </p:spPr>
-        <p:style>
-          <a:lnRef idx="1">
-            <a:schemeClr val="accent1"/>
-          </a:lnRef>
-          <a:fillRef idx="0">
-            <a:schemeClr val="accent1"/>
-          </a:fillRef>
-          <a:effectRef idx="0">
-            <a:schemeClr val="accent1"/>
-          </a:effectRef>
-          <a:fontRef idx="minor">
-            <a:schemeClr val="tx1"/>
-          </a:fontRef>
-        </p:style>
-      </p:cxnSp>
-      <p:graphicFrame>
-        <p:nvGraphicFramePr>
-          <p:cNvPr id="15" name="Table 14"/>
-          <p:cNvGraphicFramePr>
-            <a:graphicFrameLocks noGrp="1"/>
-          </p:cNvGraphicFramePr>
-          <p:nvPr>
-            <p:extLst>
-              <p:ext uri="{D42A27DB-BD31-4B8C-83A1-F6EECF244321}">
-                <p14:modId xmlns:p14="http://schemas.microsoft.com/office/powerpoint/2010/main" val="1598777910"/>
-              </p:ext>
-            </p:extLst>
-          </p:nvPr>
-        </p:nvGraphicFramePr>
-        <p:xfrm>
-          <a:off x="698989" y="5161878"/>
-          <a:ext cx="7886700" cy="1280160"/>
-        </p:xfrm>
-        <a:graphic>
-          <a:graphicData uri="http://schemas.openxmlformats.org/drawingml/2006/table">
-            <a:tbl>
-              <a:tblPr/>
-              <a:tblGrid>
-                <a:gridCol w="1425233"/>
-                <a:gridCol w="2363372"/>
-                <a:gridCol w="4098095"/>
-              </a:tblGrid>
-              <a:tr h="0">
-                <a:tc>
-                  <a:txBody>
-                    <a:bodyPr/>
-                    <a:lstStyle/>
-                    <a:p>
-                      <a:pPr algn="l"/>
-                      <a:r>
-                        <a:rPr lang="en-US" b="0" dirty="0" smtClean="0">
-                          <a:effectLst/>
-                          <a:latin typeface="Open Sans" panose="020B0606030504020204" pitchFamily="34" charset="0"/>
-                          <a:ea typeface="Open Sans" panose="020B0606030504020204" pitchFamily="34" charset="0"/>
-                          <a:cs typeface="Open Sans" panose="020B0606030504020204" pitchFamily="34" charset="0"/>
-                        </a:rPr>
-                        <a:t>File </a:t>
-                      </a:r>
-                      <a:r>
-                        <a:rPr lang="en-US" b="0" dirty="0">
-                          <a:effectLst/>
-                          <a:latin typeface="Open Sans" panose="020B0606030504020204" pitchFamily="34" charset="0"/>
-                          <a:ea typeface="Open Sans" panose="020B0606030504020204" pitchFamily="34" charset="0"/>
-                          <a:cs typeface="Open Sans" panose="020B0606030504020204" pitchFamily="34" charset="0"/>
-                        </a:rPr>
-                        <a:t>Mode</a:t>
-                      </a:r>
-                    </a:p>
-                  </a:txBody>
-                  <a:tcPr marL="95250" marR="76200" marT="142875" marB="133350" anchor="ctr">
-                    <a:lnL w="9525" cap="flat" cmpd="sng" algn="ctr">
-                      <a:solidFill>
-                        <a:srgbClr val="EAEAEC"/>
-                      </a:solidFill>
-                      <a:prstDash val="solid"/>
-                      <a:round/>
-                      <a:headEnd type="none" w="med" len="med"/>
-                      <a:tailEnd type="none" w="med" len="med"/>
-                    </a:lnL>
-                    <a:lnR w="9525" cap="flat" cmpd="sng" algn="ctr">
-                      <a:solidFill>
-                        <a:srgbClr val="EAEAEC"/>
-                      </a:solidFill>
-                      <a:prstDash val="solid"/>
-                      <a:round/>
-                      <a:headEnd type="none" w="med" len="med"/>
-                      <a:tailEnd type="none" w="med" len="med"/>
-                    </a:lnR>
-                    <a:lnT w="9525" cap="flat" cmpd="sng" algn="ctr">
-                      <a:solidFill>
-                        <a:srgbClr val="EAEAEC"/>
-                      </a:solidFill>
-                      <a:prstDash val="solid"/>
-                      <a:round/>
-                      <a:headEnd type="none" w="med" len="med"/>
-                      <a:tailEnd type="none" w="med" len="med"/>
-                    </a:lnT>
-                    <a:lnB w="9525" cap="flat" cmpd="sng" algn="ctr">
-                      <a:solidFill>
-                        <a:srgbClr val="EAEAEC"/>
-                      </a:solidFill>
-                      <a:prstDash val="solid"/>
-                      <a:round/>
-                      <a:headEnd type="none" w="med" len="med"/>
-                      <a:tailEnd type="none" w="med" len="med"/>
-                    </a:lnB>
-                    <a:solidFill>
-                      <a:srgbClr val="EAEAEC"/>
-                    </a:solidFill>
-                  </a:tcPr>
-                </a:tc>
-                <a:tc>
-                  <a:txBody>
-                    <a:bodyPr/>
-                    <a:lstStyle/>
-                    <a:p>
-                      <a:pPr algn="l"/>
-                      <a:r>
-                        <a:rPr lang="en-US" b="0" dirty="0">
-                          <a:effectLst/>
-                          <a:latin typeface="Open Sans" panose="020B0606030504020204" pitchFamily="34" charset="0"/>
-                          <a:ea typeface="Open Sans" panose="020B0606030504020204" pitchFamily="34" charset="0"/>
-                          <a:cs typeface="Open Sans" panose="020B0606030504020204" pitchFamily="34" charset="0"/>
-                        </a:rPr>
-                        <a:t>Meaning of Mode</a:t>
-                      </a:r>
-                    </a:p>
-                  </a:txBody>
-                  <a:tcPr marL="95250" marR="76200" marT="142875" marB="133350" anchor="ctr">
-                    <a:lnL w="9525" cap="flat" cmpd="sng" algn="ctr">
-                      <a:solidFill>
-                        <a:srgbClr val="EAEAEC"/>
-                      </a:solidFill>
-                      <a:prstDash val="solid"/>
-                      <a:round/>
-                      <a:headEnd type="none" w="med" len="med"/>
-                      <a:tailEnd type="none" w="med" len="med"/>
-                    </a:lnL>
-                    <a:lnR w="9525" cap="flat" cmpd="sng" algn="ctr">
-                      <a:solidFill>
-                        <a:srgbClr val="EAEAEC"/>
-                      </a:solidFill>
-                      <a:prstDash val="solid"/>
-                      <a:round/>
-                      <a:headEnd type="none" w="med" len="med"/>
-                      <a:tailEnd type="none" w="med" len="med"/>
-                    </a:lnR>
-                    <a:lnT w="9525" cap="flat" cmpd="sng" algn="ctr">
-                      <a:solidFill>
-                        <a:srgbClr val="EAEAEC"/>
-                      </a:solidFill>
-                      <a:prstDash val="solid"/>
-                      <a:round/>
-                      <a:headEnd type="none" w="med" len="med"/>
-                      <a:tailEnd type="none" w="med" len="med"/>
-                    </a:lnT>
-                    <a:lnB w="9525" cap="flat" cmpd="sng" algn="ctr">
-                      <a:solidFill>
-                        <a:srgbClr val="EAEAEC"/>
-                      </a:solidFill>
-                      <a:prstDash val="solid"/>
-                      <a:round/>
-                      <a:headEnd type="none" w="med" len="med"/>
-                      <a:tailEnd type="none" w="med" len="med"/>
-                    </a:lnB>
-                    <a:solidFill>
-                      <a:srgbClr val="EAEAEC"/>
-                    </a:solidFill>
-                  </a:tcPr>
-                </a:tc>
-                <a:tc>
-                  <a:txBody>
-                    <a:bodyPr/>
-                    <a:lstStyle/>
-                    <a:p>
-                      <a:pPr algn="l"/>
-                      <a:r>
-                        <a:rPr lang="en-US" b="0" dirty="0">
-                          <a:effectLst/>
-                          <a:latin typeface="Open Sans" panose="020B0606030504020204" pitchFamily="34" charset="0"/>
-                          <a:ea typeface="Open Sans" panose="020B0606030504020204" pitchFamily="34" charset="0"/>
-                          <a:cs typeface="Open Sans" panose="020B0606030504020204" pitchFamily="34" charset="0"/>
-                        </a:rPr>
-                        <a:t>During Inexistence of </a:t>
-                      </a:r>
-                      <a:r>
-                        <a:rPr lang="en-US" b="0" dirty="0" smtClean="0">
-                          <a:effectLst/>
-                          <a:latin typeface="Open Sans" panose="020B0606030504020204" pitchFamily="34" charset="0"/>
-                          <a:ea typeface="Open Sans" panose="020B0606030504020204" pitchFamily="34" charset="0"/>
-                          <a:cs typeface="Open Sans" panose="020B0606030504020204" pitchFamily="34" charset="0"/>
-                        </a:rPr>
-                        <a:t>File</a:t>
-                      </a:r>
-                      <a:endParaRPr lang="en-US" b="0" dirty="0">
-                        <a:effectLst/>
-                        <a:latin typeface="Open Sans" panose="020B0606030504020204" pitchFamily="34" charset="0"/>
-                        <a:ea typeface="Open Sans" panose="020B0606030504020204" pitchFamily="34" charset="0"/>
-                        <a:cs typeface="Open Sans" panose="020B0606030504020204" pitchFamily="34" charset="0"/>
-                      </a:endParaRPr>
-                    </a:p>
-                  </a:txBody>
-                  <a:tcPr marL="95250" marR="76200" marT="142875" marB="133350" anchor="ctr">
-                    <a:lnL w="9525" cap="flat" cmpd="sng" algn="ctr">
-                      <a:solidFill>
-                        <a:srgbClr val="EAEAEC"/>
-                      </a:solidFill>
-                      <a:prstDash val="solid"/>
-                      <a:round/>
-                      <a:headEnd type="none" w="med" len="med"/>
-                      <a:tailEnd type="none" w="med" len="med"/>
-                    </a:lnL>
-                    <a:lnR w="9525" cap="flat" cmpd="sng" algn="ctr">
-                      <a:solidFill>
-                        <a:srgbClr val="EAEAEC"/>
-                      </a:solidFill>
-                      <a:prstDash val="solid"/>
-                      <a:round/>
-                      <a:headEnd type="none" w="med" len="med"/>
-                      <a:tailEnd type="none" w="med" len="med"/>
-                    </a:lnR>
-                    <a:lnT w="9525" cap="flat" cmpd="sng" algn="ctr">
-                      <a:solidFill>
-                        <a:srgbClr val="EAEAEC"/>
-                      </a:solidFill>
-                      <a:prstDash val="solid"/>
-                      <a:round/>
-                      <a:headEnd type="none" w="med" len="med"/>
-                      <a:tailEnd type="none" w="med" len="med"/>
-                    </a:lnT>
-                    <a:lnB w="9525" cap="flat" cmpd="sng" algn="ctr">
-                      <a:solidFill>
-                        <a:srgbClr val="EAEAEC"/>
-                      </a:solidFill>
-                      <a:prstDash val="solid"/>
-                      <a:round/>
-                      <a:headEnd type="none" w="med" len="med"/>
-                      <a:tailEnd type="none" w="med" len="med"/>
-                    </a:lnB>
-                    <a:solidFill>
-                      <a:srgbClr val="EAEAEC"/>
-                    </a:solidFill>
-                  </a:tcPr>
-                </a:tc>
-              </a:tr>
-              <a:tr h="0">
-                <a:tc>
-                  <a:txBody>
-                    <a:bodyPr/>
-                    <a:lstStyle/>
-                    <a:p>
-                      <a:pPr algn="ctr"/>
-                      <a:r>
-                        <a:rPr lang="en-US" sz="2400" dirty="0" smtClean="0">
-                          <a:effectLst/>
-                          <a:latin typeface="Open Sans" panose="020B0606030504020204" pitchFamily="34" charset="0"/>
-                          <a:ea typeface="Open Sans" panose="020B0606030504020204" pitchFamily="34" charset="0"/>
-                          <a:cs typeface="Open Sans" panose="020B0606030504020204" pitchFamily="34" charset="0"/>
-                        </a:rPr>
-                        <a:t>w</a:t>
-                      </a:r>
-                      <a:endParaRPr lang="en-US" dirty="0">
-                        <a:effectLst/>
-                        <a:latin typeface="Open Sans" panose="020B0606030504020204" pitchFamily="34" charset="0"/>
-                        <a:ea typeface="Open Sans" panose="020B0606030504020204" pitchFamily="34" charset="0"/>
-                        <a:cs typeface="Open Sans" panose="020B0606030504020204" pitchFamily="34" charset="0"/>
-                      </a:endParaRPr>
-                    </a:p>
-                  </a:txBody>
-                  <a:tcPr marL="95250" marR="76200" marT="95250" marB="85725" anchor="ctr">
-                    <a:lnL w="9525" cap="flat" cmpd="sng" algn="ctr">
-                      <a:solidFill>
-                        <a:srgbClr val="EAEAEC"/>
-                      </a:solidFill>
-                      <a:prstDash val="solid"/>
-                      <a:round/>
-                      <a:headEnd type="none" w="med" len="med"/>
-                      <a:tailEnd type="none" w="med" len="med"/>
-                    </a:lnL>
-                    <a:lnR w="9525" cap="flat" cmpd="sng" algn="ctr">
-                      <a:solidFill>
-                        <a:srgbClr val="EAEAEC"/>
-                      </a:solidFill>
-                      <a:prstDash val="solid"/>
-                      <a:round/>
-                      <a:headEnd type="none" w="med" len="med"/>
-                      <a:tailEnd type="none" w="med" len="med"/>
-                    </a:lnR>
-                    <a:lnT w="9525" cap="flat" cmpd="sng" algn="ctr">
-                      <a:solidFill>
-                        <a:srgbClr val="EAEAEC"/>
-                      </a:solidFill>
-                      <a:prstDash val="solid"/>
-                      <a:round/>
-                      <a:headEnd type="none" w="med" len="med"/>
-                      <a:tailEnd type="none" w="med" len="med"/>
-                    </a:lnT>
-                    <a:lnB w="9525" cap="flat" cmpd="sng" algn="ctr">
-                      <a:solidFill>
-                        <a:srgbClr val="EAEAEC"/>
-                      </a:solidFill>
-                      <a:prstDash val="solid"/>
-                      <a:round/>
-                      <a:headEnd type="none" w="med" len="med"/>
-                      <a:tailEnd type="none" w="med" len="med"/>
-                    </a:lnB>
-                    <a:solidFill>
-                      <a:srgbClr val="FFFFFF"/>
-                    </a:solidFill>
-                  </a:tcPr>
-                </a:tc>
-                <a:tc>
-                  <a:txBody>
-                    <a:bodyPr/>
-                    <a:lstStyle/>
-                    <a:p>
-                      <a:r>
-                        <a:rPr lang="en-US">
-                          <a:effectLst/>
-                          <a:latin typeface="Open Sans" panose="020B0606030504020204" pitchFamily="34" charset="0"/>
-                          <a:ea typeface="Open Sans" panose="020B0606030504020204" pitchFamily="34" charset="0"/>
-                          <a:cs typeface="Open Sans" panose="020B0606030504020204" pitchFamily="34" charset="0"/>
-                        </a:rPr>
-                        <a:t>Open for writing.</a:t>
-                      </a:r>
-                    </a:p>
-                  </a:txBody>
-                  <a:tcPr marL="95250" marR="76200" marT="95250" marB="85725" anchor="ctr">
-                    <a:lnL w="9525" cap="flat" cmpd="sng" algn="ctr">
-                      <a:solidFill>
-                        <a:srgbClr val="EAEAEC"/>
-                      </a:solidFill>
-                      <a:prstDash val="solid"/>
-                      <a:round/>
-                      <a:headEnd type="none" w="med" len="med"/>
-                      <a:tailEnd type="none" w="med" len="med"/>
-                    </a:lnL>
-                    <a:lnR w="9525" cap="flat" cmpd="sng" algn="ctr">
-                      <a:solidFill>
-                        <a:srgbClr val="EAEAEC"/>
-                      </a:solidFill>
-                      <a:prstDash val="solid"/>
-                      <a:round/>
-                      <a:headEnd type="none" w="med" len="med"/>
-                      <a:tailEnd type="none" w="med" len="med"/>
-                    </a:lnR>
-                    <a:lnT w="9525" cap="flat" cmpd="sng" algn="ctr">
-                      <a:solidFill>
-                        <a:srgbClr val="EAEAEC"/>
-                      </a:solidFill>
-                      <a:prstDash val="solid"/>
-                      <a:round/>
-                      <a:headEnd type="none" w="med" len="med"/>
-                      <a:tailEnd type="none" w="med" len="med"/>
-                    </a:lnT>
-                    <a:lnB w="9525" cap="flat" cmpd="sng" algn="ctr">
-                      <a:solidFill>
-                        <a:srgbClr val="EAEAEC"/>
-                      </a:solidFill>
-                      <a:prstDash val="solid"/>
-                      <a:round/>
-                      <a:headEnd type="none" w="med" len="med"/>
-                      <a:tailEnd type="none" w="med" len="med"/>
-                    </a:lnB>
-                    <a:solidFill>
-                      <a:srgbClr val="FFFFFF"/>
-                    </a:solidFill>
-                  </a:tcPr>
-                </a:tc>
-                <a:tc>
-                  <a:txBody>
-                    <a:bodyPr/>
-                    <a:lstStyle/>
-                    <a:p>
-                      <a:r>
-                        <a:rPr lang="en-US" dirty="0" smtClean="0">
-                          <a:effectLst/>
-                          <a:latin typeface="Open Sans" panose="020B0606030504020204" pitchFamily="34" charset="0"/>
-                          <a:ea typeface="Open Sans" panose="020B0606030504020204" pitchFamily="34" charset="0"/>
-                          <a:cs typeface="Open Sans" panose="020B0606030504020204" pitchFamily="34" charset="0"/>
-                        </a:rPr>
-                        <a:t>If </a:t>
-                      </a:r>
-                      <a:r>
-                        <a:rPr lang="en-US" dirty="0">
-                          <a:effectLst/>
-                          <a:latin typeface="Open Sans" panose="020B0606030504020204" pitchFamily="34" charset="0"/>
-                          <a:ea typeface="Open Sans" panose="020B0606030504020204" pitchFamily="34" charset="0"/>
-                          <a:cs typeface="Open Sans" panose="020B0606030504020204" pitchFamily="34" charset="0"/>
-                        </a:rPr>
-                        <a:t>the file does not exist, it will be created</a:t>
-                      </a:r>
-                      <a:r>
-                        <a:rPr lang="en-US" dirty="0" smtClean="0">
-                          <a:effectLst/>
-                          <a:latin typeface="Open Sans" panose="020B0606030504020204" pitchFamily="34" charset="0"/>
-                          <a:ea typeface="Open Sans" panose="020B0606030504020204" pitchFamily="34" charset="0"/>
-                          <a:cs typeface="Open Sans" panose="020B0606030504020204" pitchFamily="34" charset="0"/>
-                        </a:rPr>
-                        <a:t>. If the file exists, its contents are overwritten. </a:t>
-                      </a:r>
-                      <a:endParaRPr lang="en-US" dirty="0">
-                        <a:effectLst/>
-                        <a:latin typeface="Open Sans" panose="020B0606030504020204" pitchFamily="34" charset="0"/>
-                        <a:ea typeface="Open Sans" panose="020B0606030504020204" pitchFamily="34" charset="0"/>
-                        <a:cs typeface="Open Sans" panose="020B0606030504020204" pitchFamily="34" charset="0"/>
-                      </a:endParaRPr>
-                    </a:p>
-                  </a:txBody>
-                  <a:tcPr marL="95250" marR="76200" marT="95250" marB="85725" anchor="ctr">
-                    <a:lnL w="9525" cap="flat" cmpd="sng" algn="ctr">
-                      <a:solidFill>
-                        <a:srgbClr val="EAEAEC"/>
-                      </a:solidFill>
-                      <a:prstDash val="solid"/>
-                      <a:round/>
-                      <a:headEnd type="none" w="med" len="med"/>
-                      <a:tailEnd type="none" w="med" len="med"/>
-                    </a:lnL>
-                    <a:lnR w="9525" cap="flat" cmpd="sng" algn="ctr">
-                      <a:solidFill>
-                        <a:srgbClr val="EAEAEC"/>
-                      </a:solidFill>
-                      <a:prstDash val="solid"/>
-                      <a:round/>
-                      <a:headEnd type="none" w="med" len="med"/>
-                      <a:tailEnd type="none" w="med" len="med"/>
-                    </a:lnR>
-                    <a:lnT w="9525" cap="flat" cmpd="sng" algn="ctr">
-                      <a:solidFill>
-                        <a:srgbClr val="EAEAEC"/>
-                      </a:solidFill>
-                      <a:prstDash val="solid"/>
-                      <a:round/>
-                      <a:headEnd type="none" w="med" len="med"/>
-                      <a:tailEnd type="none" w="med" len="med"/>
-                    </a:lnT>
-                    <a:lnB w="9525" cap="flat" cmpd="sng" algn="ctr">
-                      <a:solidFill>
-                        <a:srgbClr val="EAEAEC"/>
-                      </a:solidFill>
-                      <a:prstDash val="solid"/>
-                      <a:round/>
-                      <a:headEnd type="none" w="med" len="med"/>
-                      <a:tailEnd type="none" w="med" len="med"/>
-                    </a:lnB>
-                    <a:solidFill>
-                      <a:srgbClr val="FFFFFF"/>
-                    </a:solidFill>
-                  </a:tcPr>
-                </a:tc>
-              </a:tr>
-            </a:tbl>
-          </a:graphicData>
-        </a:graphic>
-      </p:graphicFrame>
-      <p:sp>
-        <p:nvSpPr>
-          <p:cNvPr id="7" name="Rectangle 6"/>
-          <p:cNvSpPr/>
-          <p:nvPr/>
-        </p:nvSpPr>
-        <p:spPr>
-          <a:xfrm>
-            <a:off x="6966663" y="3502855"/>
-            <a:ext cx="1428597" cy="430887"/>
-          </a:xfrm>
-          <a:prstGeom prst="rect">
-            <a:avLst/>
-          </a:prstGeom>
-        </p:spPr>
-        <p:txBody>
-          <a:bodyPr wrap="none">
-            <a:spAutoFit/>
-          </a:bodyPr>
-          <a:lstStyle/>
-          <a:p>
-            <a:pPr lvl="0" algn="ctr"/>
-            <a:r>
-              <a:rPr lang="en-US" sz="2200" dirty="0" smtClean="0">
-                <a:solidFill>
-                  <a:prstClr val="black"/>
-                </a:solidFill>
-                <a:latin typeface="Consolas" panose="020B0609020204030204" pitchFamily="49" charset="0"/>
-                <a:cs typeface="Consolas" panose="020B0609020204030204" pitchFamily="49" charset="0"/>
-              </a:rPr>
-              <a:t>Text.txt</a:t>
-            </a:r>
-            <a:endParaRPr lang="en-US" sz="2200" dirty="0">
-              <a:solidFill>
-                <a:prstClr val="black"/>
-              </a:solidFill>
-              <a:latin typeface="Consolas" panose="020B0609020204030204" pitchFamily="49" charset="0"/>
-              <a:cs typeface="Consolas" panose="020B0609020204030204" pitchFamily="49" charset="0"/>
-            </a:endParaRPr>
-          </a:p>
-        </p:txBody>
-      </p:sp>
-      <p:sp>
-        <p:nvSpPr>
-          <p:cNvPr id="3" name="Title 2"/>
-          <p:cNvSpPr>
-            <a:spLocks noGrp="1"/>
-          </p:cNvSpPr>
-          <p:nvPr>
-            <p:ph type="title"/>
-          </p:nvPr>
-        </p:nvSpPr>
-        <p:spPr/>
-        <p:txBody>
-          <a:bodyPr/>
-          <a:lstStyle/>
-          <a:p>
-            <a:endParaRPr lang="en-US"/>
-          </a:p>
-        </p:txBody>
-      </p:sp>
-    </p:spTree>
-    <p:extLst>
-      <p:ext uri="{BB962C8B-B14F-4D97-AF65-F5344CB8AC3E}">
-        <p14:creationId xmlns:p14="http://schemas.microsoft.com/office/powerpoint/2010/main" val="4076941570"/>
-      </p:ext>
-    </p:extLst>
-  </p:cSld>
-  <p:clrMapOvr>
-    <a:masterClrMapping/>
-  </p:clrMapOvr>
-  <p:timing>
-    <p:tnLst>
-      <p:par>
-        <p:cTn id="1" dur="indefinite" restart="never" nodeType="tmRoot"/>
-      </p:par>
-    </p:tnLst>
-  </p:timing>
-</p:sld>
-</file>
-
-<file path=ppt/slides/slide11.xml><?xml version="1.0" encoding="utf-8"?>
-<p:sld xmlns:a="http://schemas.openxmlformats.org/drawingml/2006/main" xmlns:r="http://schemas.openxmlformats.org/officeDocument/2006/relationships" xmlns:p="http://schemas.openxmlformats.org/presentationml/2006/main">
-  <p:cSld>
-    <p:spTree>
-      <p:nvGrpSpPr>
-        <p:cNvPr id="1" name=""/>
-        <p:cNvGrpSpPr/>
-        <p:nvPr/>
-      </p:nvGrpSpPr>
-      <p:grpSpPr>
-        <a:xfrm>
-          <a:off x="0" y="0"/>
-          <a:ext cx="0" cy="0"/>
-          <a:chOff x="0" y="0"/>
-          <a:chExt cx="0" cy="0"/>
-        </a:xfrm>
-      </p:grpSpPr>
-      <p:sp>
-        <p:nvSpPr>
-          <p:cNvPr id="5" name="Rectangle 4"/>
-          <p:cNvSpPr/>
-          <p:nvPr/>
-        </p:nvSpPr>
-        <p:spPr>
-          <a:xfrm>
-            <a:off x="6766560" y="2264898"/>
-            <a:ext cx="1828800" cy="1237957"/>
-          </a:xfrm>
-          <a:prstGeom prst="rect">
-            <a:avLst/>
-          </a:prstGeom>
-          <a:solidFill>
-            <a:schemeClr val="bg1"/>
-          </a:solidFill>
-          <a:ln>
-            <a:solidFill>
-              <a:schemeClr val="tx1"/>
-            </a:solidFill>
-          </a:ln>
-        </p:spPr>
-        <p:style>
-          <a:lnRef idx="2">
-            <a:schemeClr val="accent1">
-              <a:shade val="50000"/>
-            </a:schemeClr>
-          </a:lnRef>
-          <a:fillRef idx="1">
-            <a:schemeClr val="accent1"/>
-          </a:fillRef>
-          <a:effectRef idx="0">
-            <a:schemeClr val="accent1"/>
-          </a:effectRef>
-          <a:fontRef idx="minor">
-            <a:schemeClr val="lt1"/>
-          </a:fontRef>
-        </p:style>
-        <p:txBody>
-          <a:bodyPr rtlCol="0" anchor="ctr"/>
-          <a:lstStyle/>
-          <a:p>
-            <a:pPr algn="ctr"/>
-            <a:endParaRPr lang="en-US"/>
-          </a:p>
-        </p:txBody>
-      </p:sp>
-      <p:pic>
-        <p:nvPicPr>
-          <p:cNvPr id="2" name="Picture 1"/>
-          <p:cNvPicPr>
-            <a:picLocks noChangeAspect="1"/>
-          </p:cNvPicPr>
-          <p:nvPr/>
-        </p:nvPicPr>
-        <p:blipFill rotWithShape="1">
-          <a:blip r:embed="rId2"/>
-          <a:srcRect t="1" b="22257"/>
-          <a:stretch/>
-        </p:blipFill>
-        <p:spPr>
-          <a:xfrm>
-            <a:off x="582058" y="1200556"/>
-            <a:ext cx="5048044" cy="2161622"/>
-          </a:xfrm>
-          <a:prstGeom prst="rect">
-            <a:avLst/>
-          </a:prstGeom>
-        </p:spPr>
-      </p:pic>
-      <p:sp>
-        <p:nvSpPr>
-          <p:cNvPr id="4" name="TextBox 3"/>
-          <p:cNvSpPr txBox="1"/>
-          <p:nvPr/>
-        </p:nvSpPr>
-        <p:spPr>
-          <a:xfrm>
-            <a:off x="357809" y="331304"/>
-            <a:ext cx="4921540" cy="553998"/>
-          </a:xfrm>
-          <a:prstGeom prst="rect">
-            <a:avLst/>
-          </a:prstGeom>
-          <a:noFill/>
-        </p:spPr>
-        <p:txBody>
-          <a:bodyPr wrap="none" rtlCol="0">
-            <a:spAutoFit/>
-          </a:bodyPr>
-          <a:lstStyle/>
-          <a:p>
-            <a:r>
-              <a:rPr lang="en-US" sz="3000" b="1" dirty="0" smtClean="0">
-                <a:latin typeface="Open Sans" panose="020B0606030504020204" pitchFamily="34" charset="0"/>
-                <a:ea typeface="Open Sans" panose="020B0606030504020204" pitchFamily="34" charset="0"/>
-                <a:cs typeface="Open Sans" panose="020B0606030504020204" pitchFamily="34" charset="0"/>
-              </a:rPr>
-              <a:t>Concept of writing in a File</a:t>
-            </a:r>
-            <a:endParaRPr lang="en-US" sz="3000" b="1" dirty="0">
-              <a:latin typeface="Open Sans" panose="020B0606030504020204" pitchFamily="34" charset="0"/>
-              <a:ea typeface="Open Sans" panose="020B0606030504020204" pitchFamily="34" charset="0"/>
-              <a:cs typeface="Open Sans" panose="020B0606030504020204" pitchFamily="34" charset="0"/>
-            </a:endParaRPr>
-          </a:p>
-        </p:txBody>
-      </p:sp>
-      <p:sp>
-        <p:nvSpPr>
-          <p:cNvPr id="11" name="Rounded Rectangle 10"/>
-          <p:cNvSpPr/>
-          <p:nvPr/>
-        </p:nvSpPr>
-        <p:spPr>
-          <a:xfrm>
-            <a:off x="5279349" y="1200556"/>
-            <a:ext cx="1223889" cy="506437"/>
-          </a:xfrm>
-          <a:prstGeom prst="roundRect">
-            <a:avLst/>
-          </a:prstGeom>
-          <a:solidFill>
-            <a:schemeClr val="bg1">
-              <a:lumMod val="85000"/>
-            </a:schemeClr>
-          </a:solidFill>
-          <a:ln>
-            <a:solidFill>
-              <a:schemeClr val="tx1">
-                <a:lumMod val="50000"/>
-                <a:lumOff val="50000"/>
-              </a:schemeClr>
-            </a:solidFill>
-          </a:ln>
-        </p:spPr>
-        <p:style>
-          <a:lnRef idx="2">
-            <a:schemeClr val="accent1">
-              <a:shade val="50000"/>
-            </a:schemeClr>
-          </a:lnRef>
-          <a:fillRef idx="1">
-            <a:schemeClr val="accent1"/>
-          </a:fillRef>
-          <a:effectRef idx="0">
-            <a:schemeClr val="accent1"/>
-          </a:effectRef>
-          <a:fontRef idx="minor">
-            <a:schemeClr val="lt1"/>
-          </a:fontRef>
-        </p:style>
-        <p:txBody>
-          <a:bodyPr rtlCol="0" anchor="ctr"/>
-          <a:lstStyle/>
-          <a:p>
-            <a:pPr algn="ctr"/>
-            <a:r>
-              <a:rPr lang="en-US" sz="2200" dirty="0" err="1" smtClean="0">
-                <a:solidFill>
-                  <a:schemeClr val="tx1"/>
-                </a:solidFill>
-                <a:latin typeface="Consolas" panose="020B0609020204030204" pitchFamily="49" charset="0"/>
-                <a:cs typeface="Consolas" panose="020B0609020204030204" pitchFamily="49" charset="0"/>
-              </a:rPr>
-              <a:t>fptr</a:t>
-            </a:r>
-            <a:endParaRPr lang="en-US" sz="2200" dirty="0">
-              <a:solidFill>
-                <a:schemeClr val="tx1"/>
-              </a:solidFill>
-              <a:latin typeface="Consolas" panose="020B0609020204030204" pitchFamily="49" charset="0"/>
-              <a:cs typeface="Consolas" panose="020B0609020204030204" pitchFamily="49" charset="0"/>
-            </a:endParaRPr>
-          </a:p>
-        </p:txBody>
-      </p:sp>
-      <p:cxnSp>
-        <p:nvCxnSpPr>
-          <p:cNvPr id="14" name="Straight Arrow Connector 13"/>
-          <p:cNvCxnSpPr>
-            <a:stCxn id="11" idx="3"/>
-          </p:cNvCxnSpPr>
-          <p:nvPr/>
-        </p:nvCxnSpPr>
-        <p:spPr>
-          <a:xfrm>
-            <a:off x="6503238" y="1453775"/>
-            <a:ext cx="758971" cy="937733"/>
-          </a:xfrm>
-          <a:prstGeom prst="straightConnector1">
-            <a:avLst/>
-          </a:prstGeom>
-          <a:ln>
-            <a:solidFill>
-              <a:schemeClr val="tx1"/>
-            </a:solidFill>
-            <a:tailEnd type="triangle"/>
-          </a:ln>
-        </p:spPr>
-        <p:style>
-          <a:lnRef idx="1">
-            <a:schemeClr val="accent1"/>
-          </a:lnRef>
-          <a:fillRef idx="0">
-            <a:schemeClr val="accent1"/>
-          </a:fillRef>
-          <a:effectRef idx="0">
-            <a:schemeClr val="accent1"/>
-          </a:effectRef>
-          <a:fontRef idx="minor">
-            <a:schemeClr val="tx1"/>
-          </a:fontRef>
-        </p:style>
-      </p:cxnSp>
-      <p:graphicFrame>
-        <p:nvGraphicFramePr>
-          <p:cNvPr id="15" name="Table 14"/>
-          <p:cNvGraphicFramePr>
-            <a:graphicFrameLocks noGrp="1"/>
-          </p:cNvGraphicFramePr>
-          <p:nvPr>
-            <p:extLst>
-              <p:ext uri="{D42A27DB-BD31-4B8C-83A1-F6EECF244321}">
-                <p14:modId xmlns:p14="http://schemas.microsoft.com/office/powerpoint/2010/main" val="1598777910"/>
-              </p:ext>
-            </p:extLst>
-          </p:nvPr>
-        </p:nvGraphicFramePr>
-        <p:xfrm>
-          <a:off x="698989" y="5161878"/>
-          <a:ext cx="7886700" cy="1280160"/>
-        </p:xfrm>
-        <a:graphic>
-          <a:graphicData uri="http://schemas.openxmlformats.org/drawingml/2006/table">
-            <a:tbl>
-              <a:tblPr/>
-              <a:tblGrid>
-                <a:gridCol w="1425233"/>
-                <a:gridCol w="2363372"/>
-                <a:gridCol w="4098095"/>
-              </a:tblGrid>
-              <a:tr h="0">
-                <a:tc>
-                  <a:txBody>
-                    <a:bodyPr/>
-                    <a:lstStyle/>
-                    <a:p>
-                      <a:pPr algn="l"/>
-                      <a:r>
-                        <a:rPr lang="en-US" b="0" dirty="0" smtClean="0">
-                          <a:effectLst/>
-                          <a:latin typeface="Open Sans" panose="020B0606030504020204" pitchFamily="34" charset="0"/>
-                          <a:ea typeface="Open Sans" panose="020B0606030504020204" pitchFamily="34" charset="0"/>
-                          <a:cs typeface="Open Sans" panose="020B0606030504020204" pitchFamily="34" charset="0"/>
-                        </a:rPr>
-                        <a:t>File </a:t>
-                      </a:r>
-                      <a:r>
-                        <a:rPr lang="en-US" b="0" dirty="0">
-                          <a:effectLst/>
-                          <a:latin typeface="Open Sans" panose="020B0606030504020204" pitchFamily="34" charset="0"/>
-                          <a:ea typeface="Open Sans" panose="020B0606030504020204" pitchFamily="34" charset="0"/>
-                          <a:cs typeface="Open Sans" panose="020B0606030504020204" pitchFamily="34" charset="0"/>
-                        </a:rPr>
-                        <a:t>Mode</a:t>
-                      </a:r>
-                    </a:p>
-                  </a:txBody>
-                  <a:tcPr marL="95250" marR="76200" marT="142875" marB="133350" anchor="ctr">
-                    <a:lnL w="9525" cap="flat" cmpd="sng" algn="ctr">
-                      <a:solidFill>
-                        <a:srgbClr val="EAEAEC"/>
-                      </a:solidFill>
-                      <a:prstDash val="solid"/>
-                      <a:round/>
-                      <a:headEnd type="none" w="med" len="med"/>
-                      <a:tailEnd type="none" w="med" len="med"/>
-                    </a:lnL>
-                    <a:lnR w="9525" cap="flat" cmpd="sng" algn="ctr">
-                      <a:solidFill>
-                        <a:srgbClr val="EAEAEC"/>
-                      </a:solidFill>
-                      <a:prstDash val="solid"/>
-                      <a:round/>
-                      <a:headEnd type="none" w="med" len="med"/>
-                      <a:tailEnd type="none" w="med" len="med"/>
-                    </a:lnR>
-                    <a:lnT w="9525" cap="flat" cmpd="sng" algn="ctr">
-                      <a:solidFill>
-                        <a:srgbClr val="EAEAEC"/>
-                      </a:solidFill>
-                      <a:prstDash val="solid"/>
-                      <a:round/>
-                      <a:headEnd type="none" w="med" len="med"/>
-                      <a:tailEnd type="none" w="med" len="med"/>
-                    </a:lnT>
-                    <a:lnB w="9525" cap="flat" cmpd="sng" algn="ctr">
-                      <a:solidFill>
-                        <a:srgbClr val="EAEAEC"/>
-                      </a:solidFill>
-                      <a:prstDash val="solid"/>
-                      <a:round/>
-                      <a:headEnd type="none" w="med" len="med"/>
-                      <a:tailEnd type="none" w="med" len="med"/>
-                    </a:lnB>
-                    <a:solidFill>
-                      <a:srgbClr val="EAEAEC"/>
-                    </a:solidFill>
-                  </a:tcPr>
-                </a:tc>
-                <a:tc>
-                  <a:txBody>
-                    <a:bodyPr/>
-                    <a:lstStyle/>
-                    <a:p>
-                      <a:pPr algn="l"/>
-                      <a:r>
-                        <a:rPr lang="en-US" b="0" dirty="0">
-                          <a:effectLst/>
-                          <a:latin typeface="Open Sans" panose="020B0606030504020204" pitchFamily="34" charset="0"/>
-                          <a:ea typeface="Open Sans" panose="020B0606030504020204" pitchFamily="34" charset="0"/>
-                          <a:cs typeface="Open Sans" panose="020B0606030504020204" pitchFamily="34" charset="0"/>
-                        </a:rPr>
-                        <a:t>Meaning of Mode</a:t>
-                      </a:r>
-                    </a:p>
-                  </a:txBody>
-                  <a:tcPr marL="95250" marR="76200" marT="142875" marB="133350" anchor="ctr">
-                    <a:lnL w="9525" cap="flat" cmpd="sng" algn="ctr">
-                      <a:solidFill>
-                        <a:srgbClr val="EAEAEC"/>
-                      </a:solidFill>
-                      <a:prstDash val="solid"/>
-                      <a:round/>
-                      <a:headEnd type="none" w="med" len="med"/>
-                      <a:tailEnd type="none" w="med" len="med"/>
-                    </a:lnL>
-                    <a:lnR w="9525" cap="flat" cmpd="sng" algn="ctr">
-                      <a:solidFill>
-                        <a:srgbClr val="EAEAEC"/>
-                      </a:solidFill>
-                      <a:prstDash val="solid"/>
-                      <a:round/>
-                      <a:headEnd type="none" w="med" len="med"/>
-                      <a:tailEnd type="none" w="med" len="med"/>
-                    </a:lnR>
-                    <a:lnT w="9525" cap="flat" cmpd="sng" algn="ctr">
-                      <a:solidFill>
-                        <a:srgbClr val="EAEAEC"/>
-                      </a:solidFill>
-                      <a:prstDash val="solid"/>
-                      <a:round/>
-                      <a:headEnd type="none" w="med" len="med"/>
-                      <a:tailEnd type="none" w="med" len="med"/>
-                    </a:lnT>
-                    <a:lnB w="9525" cap="flat" cmpd="sng" algn="ctr">
-                      <a:solidFill>
-                        <a:srgbClr val="EAEAEC"/>
-                      </a:solidFill>
-                      <a:prstDash val="solid"/>
-                      <a:round/>
-                      <a:headEnd type="none" w="med" len="med"/>
-                      <a:tailEnd type="none" w="med" len="med"/>
-                    </a:lnB>
-                    <a:solidFill>
-                      <a:srgbClr val="EAEAEC"/>
-                    </a:solidFill>
-                  </a:tcPr>
-                </a:tc>
-                <a:tc>
-                  <a:txBody>
-                    <a:bodyPr/>
-                    <a:lstStyle/>
-                    <a:p>
-                      <a:pPr algn="l"/>
-                      <a:r>
-                        <a:rPr lang="en-US" b="0" dirty="0">
-                          <a:effectLst/>
-                          <a:latin typeface="Open Sans" panose="020B0606030504020204" pitchFamily="34" charset="0"/>
-                          <a:ea typeface="Open Sans" panose="020B0606030504020204" pitchFamily="34" charset="0"/>
-                          <a:cs typeface="Open Sans" panose="020B0606030504020204" pitchFamily="34" charset="0"/>
-                        </a:rPr>
-                        <a:t>During Inexistence of </a:t>
-                      </a:r>
-                      <a:r>
-                        <a:rPr lang="en-US" b="0" dirty="0" smtClean="0">
-                          <a:effectLst/>
-                          <a:latin typeface="Open Sans" panose="020B0606030504020204" pitchFamily="34" charset="0"/>
-                          <a:ea typeface="Open Sans" panose="020B0606030504020204" pitchFamily="34" charset="0"/>
-                          <a:cs typeface="Open Sans" panose="020B0606030504020204" pitchFamily="34" charset="0"/>
-                        </a:rPr>
-                        <a:t>File</a:t>
-                      </a:r>
-                      <a:endParaRPr lang="en-US" b="0" dirty="0">
-                        <a:effectLst/>
-                        <a:latin typeface="Open Sans" panose="020B0606030504020204" pitchFamily="34" charset="0"/>
-                        <a:ea typeface="Open Sans" panose="020B0606030504020204" pitchFamily="34" charset="0"/>
-                        <a:cs typeface="Open Sans" panose="020B0606030504020204" pitchFamily="34" charset="0"/>
-                      </a:endParaRPr>
-                    </a:p>
-                  </a:txBody>
-                  <a:tcPr marL="95250" marR="76200" marT="142875" marB="133350" anchor="ctr">
-                    <a:lnL w="9525" cap="flat" cmpd="sng" algn="ctr">
-                      <a:solidFill>
-                        <a:srgbClr val="EAEAEC"/>
-                      </a:solidFill>
-                      <a:prstDash val="solid"/>
-                      <a:round/>
-                      <a:headEnd type="none" w="med" len="med"/>
-                      <a:tailEnd type="none" w="med" len="med"/>
-                    </a:lnL>
-                    <a:lnR w="9525" cap="flat" cmpd="sng" algn="ctr">
-                      <a:solidFill>
-                        <a:srgbClr val="EAEAEC"/>
-                      </a:solidFill>
-                      <a:prstDash val="solid"/>
-                      <a:round/>
-                      <a:headEnd type="none" w="med" len="med"/>
-                      <a:tailEnd type="none" w="med" len="med"/>
-                    </a:lnR>
-                    <a:lnT w="9525" cap="flat" cmpd="sng" algn="ctr">
-                      <a:solidFill>
-                        <a:srgbClr val="EAEAEC"/>
-                      </a:solidFill>
-                      <a:prstDash val="solid"/>
-                      <a:round/>
-                      <a:headEnd type="none" w="med" len="med"/>
-                      <a:tailEnd type="none" w="med" len="med"/>
-                    </a:lnT>
-                    <a:lnB w="9525" cap="flat" cmpd="sng" algn="ctr">
-                      <a:solidFill>
-                        <a:srgbClr val="EAEAEC"/>
-                      </a:solidFill>
-                      <a:prstDash val="solid"/>
-                      <a:round/>
-                      <a:headEnd type="none" w="med" len="med"/>
-                      <a:tailEnd type="none" w="med" len="med"/>
-                    </a:lnB>
-                    <a:solidFill>
-                      <a:srgbClr val="EAEAEC"/>
-                    </a:solidFill>
-                  </a:tcPr>
-                </a:tc>
-              </a:tr>
-              <a:tr h="0">
-                <a:tc>
-                  <a:txBody>
-                    <a:bodyPr/>
-                    <a:lstStyle/>
-                    <a:p>
-                      <a:pPr algn="ctr"/>
-                      <a:r>
-                        <a:rPr lang="en-US" sz="2400" dirty="0" smtClean="0">
-                          <a:effectLst/>
-                          <a:latin typeface="Open Sans" panose="020B0606030504020204" pitchFamily="34" charset="0"/>
-                          <a:ea typeface="Open Sans" panose="020B0606030504020204" pitchFamily="34" charset="0"/>
-                          <a:cs typeface="Open Sans" panose="020B0606030504020204" pitchFamily="34" charset="0"/>
-                        </a:rPr>
-                        <a:t>w</a:t>
-                      </a:r>
-                      <a:endParaRPr lang="en-US" dirty="0">
-                        <a:effectLst/>
-                        <a:latin typeface="Open Sans" panose="020B0606030504020204" pitchFamily="34" charset="0"/>
-                        <a:ea typeface="Open Sans" panose="020B0606030504020204" pitchFamily="34" charset="0"/>
-                        <a:cs typeface="Open Sans" panose="020B0606030504020204" pitchFamily="34" charset="0"/>
-                      </a:endParaRPr>
-                    </a:p>
-                  </a:txBody>
-                  <a:tcPr marL="95250" marR="76200" marT="95250" marB="85725" anchor="ctr">
-                    <a:lnL w="9525" cap="flat" cmpd="sng" algn="ctr">
-                      <a:solidFill>
-                        <a:srgbClr val="EAEAEC"/>
-                      </a:solidFill>
-                      <a:prstDash val="solid"/>
-                      <a:round/>
-                      <a:headEnd type="none" w="med" len="med"/>
-                      <a:tailEnd type="none" w="med" len="med"/>
-                    </a:lnL>
-                    <a:lnR w="9525" cap="flat" cmpd="sng" algn="ctr">
-                      <a:solidFill>
-                        <a:srgbClr val="EAEAEC"/>
-                      </a:solidFill>
-                      <a:prstDash val="solid"/>
-                      <a:round/>
-                      <a:headEnd type="none" w="med" len="med"/>
-                      <a:tailEnd type="none" w="med" len="med"/>
-                    </a:lnR>
-                    <a:lnT w="9525" cap="flat" cmpd="sng" algn="ctr">
-                      <a:solidFill>
-                        <a:srgbClr val="EAEAEC"/>
-                      </a:solidFill>
-                      <a:prstDash val="solid"/>
-                      <a:round/>
-                      <a:headEnd type="none" w="med" len="med"/>
-                      <a:tailEnd type="none" w="med" len="med"/>
-                    </a:lnT>
-                    <a:lnB w="9525" cap="flat" cmpd="sng" algn="ctr">
-                      <a:solidFill>
-                        <a:srgbClr val="EAEAEC"/>
-                      </a:solidFill>
-                      <a:prstDash val="solid"/>
-                      <a:round/>
-                      <a:headEnd type="none" w="med" len="med"/>
-                      <a:tailEnd type="none" w="med" len="med"/>
-                    </a:lnB>
-                    <a:solidFill>
-                      <a:srgbClr val="FFFFFF"/>
-                    </a:solidFill>
-                  </a:tcPr>
-                </a:tc>
-                <a:tc>
-                  <a:txBody>
-                    <a:bodyPr/>
-                    <a:lstStyle/>
-                    <a:p>
-                      <a:r>
-                        <a:rPr lang="en-US">
-                          <a:effectLst/>
-                          <a:latin typeface="Open Sans" panose="020B0606030504020204" pitchFamily="34" charset="0"/>
-                          <a:ea typeface="Open Sans" panose="020B0606030504020204" pitchFamily="34" charset="0"/>
-                          <a:cs typeface="Open Sans" panose="020B0606030504020204" pitchFamily="34" charset="0"/>
-                        </a:rPr>
-                        <a:t>Open for writing.</a:t>
-                      </a:r>
-                    </a:p>
-                  </a:txBody>
-                  <a:tcPr marL="95250" marR="76200" marT="95250" marB="85725" anchor="ctr">
-                    <a:lnL w="9525" cap="flat" cmpd="sng" algn="ctr">
-                      <a:solidFill>
-                        <a:srgbClr val="EAEAEC"/>
-                      </a:solidFill>
-                      <a:prstDash val="solid"/>
-                      <a:round/>
-                      <a:headEnd type="none" w="med" len="med"/>
-                      <a:tailEnd type="none" w="med" len="med"/>
-                    </a:lnL>
-                    <a:lnR w="9525" cap="flat" cmpd="sng" algn="ctr">
-                      <a:solidFill>
-                        <a:srgbClr val="EAEAEC"/>
-                      </a:solidFill>
-                      <a:prstDash val="solid"/>
-                      <a:round/>
-                      <a:headEnd type="none" w="med" len="med"/>
-                      <a:tailEnd type="none" w="med" len="med"/>
-                    </a:lnR>
-                    <a:lnT w="9525" cap="flat" cmpd="sng" algn="ctr">
-                      <a:solidFill>
-                        <a:srgbClr val="EAEAEC"/>
-                      </a:solidFill>
-                      <a:prstDash val="solid"/>
-                      <a:round/>
-                      <a:headEnd type="none" w="med" len="med"/>
-                      <a:tailEnd type="none" w="med" len="med"/>
-                    </a:lnT>
-                    <a:lnB w="9525" cap="flat" cmpd="sng" algn="ctr">
-                      <a:solidFill>
-                        <a:srgbClr val="EAEAEC"/>
-                      </a:solidFill>
-                      <a:prstDash val="solid"/>
-                      <a:round/>
-                      <a:headEnd type="none" w="med" len="med"/>
-                      <a:tailEnd type="none" w="med" len="med"/>
-                    </a:lnB>
-                    <a:solidFill>
-                      <a:srgbClr val="FFFFFF"/>
-                    </a:solidFill>
-                  </a:tcPr>
-                </a:tc>
-                <a:tc>
-                  <a:txBody>
-                    <a:bodyPr/>
-                    <a:lstStyle/>
-                    <a:p>
-                      <a:r>
-                        <a:rPr lang="en-US" dirty="0" smtClean="0">
-                          <a:effectLst/>
-                          <a:latin typeface="Open Sans" panose="020B0606030504020204" pitchFamily="34" charset="0"/>
-                          <a:ea typeface="Open Sans" panose="020B0606030504020204" pitchFamily="34" charset="0"/>
-                          <a:cs typeface="Open Sans" panose="020B0606030504020204" pitchFamily="34" charset="0"/>
-                        </a:rPr>
-                        <a:t>If </a:t>
-                      </a:r>
-                      <a:r>
-                        <a:rPr lang="en-US" dirty="0">
-                          <a:effectLst/>
-                          <a:latin typeface="Open Sans" panose="020B0606030504020204" pitchFamily="34" charset="0"/>
-                          <a:ea typeface="Open Sans" panose="020B0606030504020204" pitchFamily="34" charset="0"/>
-                          <a:cs typeface="Open Sans" panose="020B0606030504020204" pitchFamily="34" charset="0"/>
-                        </a:rPr>
-                        <a:t>the file does not exist, it will be created</a:t>
-                      </a:r>
-                      <a:r>
-                        <a:rPr lang="en-US" dirty="0" smtClean="0">
-                          <a:effectLst/>
-                          <a:latin typeface="Open Sans" panose="020B0606030504020204" pitchFamily="34" charset="0"/>
-                          <a:ea typeface="Open Sans" panose="020B0606030504020204" pitchFamily="34" charset="0"/>
-                          <a:cs typeface="Open Sans" panose="020B0606030504020204" pitchFamily="34" charset="0"/>
-                        </a:rPr>
-                        <a:t>. If the file exists, its contents are overwritten. </a:t>
-                      </a:r>
-                      <a:endParaRPr lang="en-US" dirty="0">
-                        <a:effectLst/>
-                        <a:latin typeface="Open Sans" panose="020B0606030504020204" pitchFamily="34" charset="0"/>
-                        <a:ea typeface="Open Sans" panose="020B0606030504020204" pitchFamily="34" charset="0"/>
-                        <a:cs typeface="Open Sans" panose="020B0606030504020204" pitchFamily="34" charset="0"/>
-                      </a:endParaRPr>
-                    </a:p>
-                  </a:txBody>
-                  <a:tcPr marL="95250" marR="76200" marT="95250" marB="85725" anchor="ctr">
-                    <a:lnL w="9525" cap="flat" cmpd="sng" algn="ctr">
-                      <a:solidFill>
-                        <a:srgbClr val="EAEAEC"/>
-                      </a:solidFill>
-                      <a:prstDash val="solid"/>
-                      <a:round/>
-                      <a:headEnd type="none" w="med" len="med"/>
-                      <a:tailEnd type="none" w="med" len="med"/>
-                    </a:lnL>
-                    <a:lnR w="9525" cap="flat" cmpd="sng" algn="ctr">
-                      <a:solidFill>
-                        <a:srgbClr val="EAEAEC"/>
-                      </a:solidFill>
-                      <a:prstDash val="solid"/>
-                      <a:round/>
-                      <a:headEnd type="none" w="med" len="med"/>
-                      <a:tailEnd type="none" w="med" len="med"/>
-                    </a:lnR>
-                    <a:lnT w="9525" cap="flat" cmpd="sng" algn="ctr">
-                      <a:solidFill>
-                        <a:srgbClr val="EAEAEC"/>
-                      </a:solidFill>
-                      <a:prstDash val="solid"/>
-                      <a:round/>
-                      <a:headEnd type="none" w="med" len="med"/>
-                      <a:tailEnd type="none" w="med" len="med"/>
-                    </a:lnT>
-                    <a:lnB w="9525" cap="flat" cmpd="sng" algn="ctr">
-                      <a:solidFill>
-                        <a:srgbClr val="EAEAEC"/>
-                      </a:solidFill>
-                      <a:prstDash val="solid"/>
-                      <a:round/>
-                      <a:headEnd type="none" w="med" len="med"/>
-                      <a:tailEnd type="none" w="med" len="med"/>
-                    </a:lnB>
-                    <a:solidFill>
-                      <a:srgbClr val="FFFFFF"/>
-                    </a:solidFill>
-                  </a:tcPr>
-                </a:tc>
-              </a:tr>
-            </a:tbl>
-          </a:graphicData>
-        </a:graphic>
-      </p:graphicFrame>
-      <p:sp>
-        <p:nvSpPr>
-          <p:cNvPr id="7" name="Rectangle 6"/>
-          <p:cNvSpPr/>
-          <p:nvPr/>
-        </p:nvSpPr>
-        <p:spPr>
-          <a:xfrm>
-            <a:off x="6766560" y="2281367"/>
-            <a:ext cx="495649" cy="430887"/>
-          </a:xfrm>
-          <a:prstGeom prst="rect">
-            <a:avLst/>
-          </a:prstGeom>
-        </p:spPr>
-        <p:txBody>
-          <a:bodyPr wrap="none">
-            <a:spAutoFit/>
-          </a:bodyPr>
-          <a:lstStyle/>
-          <a:p>
-            <a:r>
-              <a:rPr lang="en-US" sz="2200" dirty="0" smtClean="0">
-                <a:solidFill>
-                  <a:prstClr val="black"/>
-                </a:solidFill>
-                <a:latin typeface="Consolas" panose="020B0609020204030204" pitchFamily="49" charset="0"/>
-                <a:cs typeface="Consolas" panose="020B0609020204030204" pitchFamily="49" charset="0"/>
-              </a:rPr>
-              <a:t>10</a:t>
-            </a:r>
-            <a:endParaRPr lang="en-US" dirty="0"/>
-          </a:p>
-        </p:txBody>
-      </p:sp>
-      <p:sp>
-        <p:nvSpPr>
-          <p:cNvPr id="12" name="Rectangle 11"/>
-          <p:cNvSpPr/>
-          <p:nvPr/>
-        </p:nvSpPr>
-        <p:spPr>
-          <a:xfrm>
-            <a:off x="6966663" y="3502855"/>
-            <a:ext cx="1428597" cy="430887"/>
-          </a:xfrm>
-          <a:prstGeom prst="rect">
-            <a:avLst/>
-          </a:prstGeom>
-        </p:spPr>
-        <p:txBody>
-          <a:bodyPr wrap="none">
-            <a:spAutoFit/>
-          </a:bodyPr>
-          <a:lstStyle/>
-          <a:p>
-            <a:pPr lvl="0" algn="ctr"/>
-            <a:r>
-              <a:rPr lang="en-US" sz="2200" dirty="0" smtClean="0">
-                <a:solidFill>
-                  <a:prstClr val="black"/>
-                </a:solidFill>
-                <a:latin typeface="Consolas" panose="020B0609020204030204" pitchFamily="49" charset="0"/>
-                <a:cs typeface="Consolas" panose="020B0609020204030204" pitchFamily="49" charset="0"/>
-              </a:rPr>
-              <a:t>Text.txt</a:t>
-            </a:r>
-            <a:endParaRPr lang="en-US" sz="2200" dirty="0">
-              <a:solidFill>
-                <a:prstClr val="black"/>
-              </a:solidFill>
-              <a:latin typeface="Consolas" panose="020B0609020204030204" pitchFamily="49" charset="0"/>
-              <a:cs typeface="Consolas" panose="020B0609020204030204" pitchFamily="49" charset="0"/>
-            </a:endParaRPr>
-          </a:p>
-        </p:txBody>
-      </p:sp>
-      <p:sp>
-        <p:nvSpPr>
-          <p:cNvPr id="3" name="Title 2"/>
-          <p:cNvSpPr>
-            <a:spLocks noGrp="1"/>
-          </p:cNvSpPr>
-          <p:nvPr>
-            <p:ph type="title"/>
-          </p:nvPr>
-        </p:nvSpPr>
-        <p:spPr/>
-        <p:txBody>
-          <a:bodyPr/>
-          <a:lstStyle/>
-          <a:p>
-            <a:endParaRPr lang="en-US"/>
-          </a:p>
-        </p:txBody>
-      </p:sp>
-    </p:spTree>
-    <p:extLst>
-      <p:ext uri="{BB962C8B-B14F-4D97-AF65-F5344CB8AC3E}">
-        <p14:creationId xmlns:p14="http://schemas.microsoft.com/office/powerpoint/2010/main" val="3197333545"/>
-      </p:ext>
-    </p:extLst>
-  </p:cSld>
-  <p:clrMapOvr>
-    <a:masterClrMapping/>
-  </p:clrMapOvr>
-  <p:timing>
-    <p:tnLst>
-      <p:par>
-        <p:cTn id="1" dur="indefinite" restart="never" nodeType="tmRoot"/>
-      </p:par>
-    </p:tnLst>
-  </p:timing>
-</p:sld>
-</file>
-
-<file path=ppt/slides/slide12.xml><?xml version="1.0" encoding="utf-8"?>
-<p:sld xmlns:a="http://schemas.openxmlformats.org/drawingml/2006/main" xmlns:r="http://schemas.openxmlformats.org/officeDocument/2006/relationships" xmlns:p="http://schemas.openxmlformats.org/presentationml/2006/main">
-  <p:cSld>
-    <p:spTree>
-      <p:nvGrpSpPr>
-        <p:cNvPr id="1" name=""/>
-        <p:cNvGrpSpPr/>
-        <p:nvPr/>
-      </p:nvGrpSpPr>
-      <p:grpSpPr>
-        <a:xfrm>
-          <a:off x="0" y="0"/>
-          <a:ext cx="0" cy="0"/>
-          <a:chOff x="0" y="0"/>
-          <a:chExt cx="0" cy="0"/>
-        </a:xfrm>
-      </p:grpSpPr>
-      <p:pic>
-        <p:nvPicPr>
-          <p:cNvPr id="2" name="Picture 1"/>
-          <p:cNvPicPr>
-            <a:picLocks noChangeAspect="1"/>
-          </p:cNvPicPr>
-          <p:nvPr/>
-        </p:nvPicPr>
-        <p:blipFill rotWithShape="1">
-          <a:blip r:embed="rId2"/>
-          <a:srcRect t="1" b="80488"/>
-          <a:stretch/>
-        </p:blipFill>
-        <p:spPr>
-          <a:xfrm>
-            <a:off x="1052238" y="1872075"/>
-            <a:ext cx="5048044" cy="542513"/>
-          </a:xfrm>
-          <a:prstGeom prst="rect">
-            <a:avLst/>
-          </a:prstGeom>
-        </p:spPr>
-      </p:pic>
-      <p:sp>
-        <p:nvSpPr>
-          <p:cNvPr id="11" name="Rounded Rectangle 10"/>
-          <p:cNvSpPr/>
-          <p:nvPr/>
-        </p:nvSpPr>
-        <p:spPr>
-          <a:xfrm>
-            <a:off x="6006376" y="1872075"/>
-            <a:ext cx="1223889" cy="506437"/>
-          </a:xfrm>
-          <a:prstGeom prst="roundRect">
-            <a:avLst/>
-          </a:prstGeom>
-          <a:solidFill>
-            <a:schemeClr val="bg1">
-              <a:lumMod val="85000"/>
-            </a:schemeClr>
-          </a:solidFill>
-          <a:ln>
-            <a:solidFill>
-              <a:schemeClr val="tx1">
-                <a:lumMod val="50000"/>
-                <a:lumOff val="50000"/>
-              </a:schemeClr>
-            </a:solidFill>
-          </a:ln>
-        </p:spPr>
-        <p:style>
-          <a:lnRef idx="2">
-            <a:schemeClr val="accent1">
-              <a:shade val="50000"/>
-            </a:schemeClr>
-          </a:lnRef>
-          <a:fillRef idx="1">
-            <a:schemeClr val="accent1"/>
-          </a:fillRef>
-          <a:effectRef idx="0">
-            <a:schemeClr val="accent1"/>
-          </a:effectRef>
-          <a:fontRef idx="minor">
-            <a:schemeClr val="lt1"/>
-          </a:fontRef>
-        </p:style>
-        <p:txBody>
-          <a:bodyPr rtlCol="0" anchor="ctr"/>
-          <a:lstStyle/>
-          <a:p>
-            <a:pPr algn="ctr"/>
-            <a:r>
-              <a:rPr lang="en-US" sz="2200" dirty="0" err="1" smtClean="0">
-                <a:solidFill>
-                  <a:schemeClr val="tx1"/>
-                </a:solidFill>
-                <a:latin typeface="Consolas" panose="020B0609020204030204" pitchFamily="49" charset="0"/>
-                <a:cs typeface="Consolas" panose="020B0609020204030204" pitchFamily="49" charset="0"/>
-              </a:rPr>
-              <a:t>fptr</a:t>
-            </a:r>
-            <a:endParaRPr lang="en-US" sz="2200" dirty="0">
-              <a:solidFill>
-                <a:schemeClr val="tx1"/>
-              </a:solidFill>
-              <a:latin typeface="Consolas" panose="020B0609020204030204" pitchFamily="49" charset="0"/>
-              <a:cs typeface="Consolas" panose="020B0609020204030204" pitchFamily="49" charset="0"/>
-            </a:endParaRPr>
-          </a:p>
-        </p:txBody>
-      </p:sp>
-      <p:cxnSp>
-        <p:nvCxnSpPr>
-          <p:cNvPr id="14" name="Straight Arrow Connector 13"/>
-          <p:cNvCxnSpPr>
-            <a:stCxn id="11" idx="3"/>
-          </p:cNvCxnSpPr>
-          <p:nvPr/>
-        </p:nvCxnSpPr>
-        <p:spPr>
-          <a:xfrm>
-            <a:off x="7230265" y="2125294"/>
-            <a:ext cx="817865" cy="215442"/>
-          </a:xfrm>
-          <a:prstGeom prst="straightConnector1">
-            <a:avLst/>
-          </a:prstGeom>
-          <a:ln>
-            <a:solidFill>
-              <a:schemeClr val="tx1"/>
-            </a:solidFill>
-            <a:tailEnd type="triangle"/>
-          </a:ln>
-        </p:spPr>
-        <p:style>
-          <a:lnRef idx="1">
-            <a:schemeClr val="accent1"/>
-          </a:lnRef>
-          <a:fillRef idx="0">
-            <a:schemeClr val="accent1"/>
-          </a:fillRef>
-          <a:effectRef idx="0">
-            <a:schemeClr val="accent1"/>
-          </a:effectRef>
-          <a:fontRef idx="minor">
-            <a:schemeClr val="tx1"/>
-          </a:fontRef>
-        </p:style>
-      </p:cxnSp>
-      <p:sp>
-        <p:nvSpPr>
-          <p:cNvPr id="8" name="Title 7"/>
-          <p:cNvSpPr>
-            <a:spLocks noGrp="1"/>
-          </p:cNvSpPr>
-          <p:nvPr>
-            <p:ph type="title"/>
-          </p:nvPr>
-        </p:nvSpPr>
-        <p:spPr/>
-        <p:txBody>
-          <a:bodyPr/>
-          <a:lstStyle/>
-          <a:p>
-            <a:r>
-              <a:rPr lang="en-US" dirty="0"/>
-              <a:t>Concept of writing in a </a:t>
-            </a:r>
-            <a:r>
-              <a:rPr lang="en-US" dirty="0" smtClean="0"/>
-              <a:t>File</a:t>
-            </a:r>
-            <a:endParaRPr lang="en-US" dirty="0"/>
-          </a:p>
-        </p:txBody>
-      </p:sp>
-    </p:spTree>
-    <p:extLst>
-      <p:ext uri="{BB962C8B-B14F-4D97-AF65-F5344CB8AC3E}">
-        <p14:creationId xmlns:p14="http://schemas.microsoft.com/office/powerpoint/2010/main" val="1715867706"/>
-      </p:ext>
-    </p:extLst>
-  </p:cSld>
-  <p:clrMapOvr>
-    <a:masterClrMapping/>
-  </p:clrMapOvr>
-  <p:timing>
-    <p:tnLst>
-      <p:par>
-        <p:cTn id="1" dur="indefinite" restart="never" nodeType="tmRoot"/>
-      </p:par>
-    </p:tnLst>
-  </p:timing>
-</p:sld>
-</file>
-
-<file path=ppt/slides/slide13.xml><?xml version="1.0" encoding="utf-8"?>
-<p:sld xmlns:a="http://schemas.openxmlformats.org/drawingml/2006/main" xmlns:r="http://schemas.openxmlformats.org/officeDocument/2006/relationships" xmlns:p="http://schemas.openxmlformats.org/presentationml/2006/main">
-  <p:cSld>
-    <p:spTree>
-      <p:nvGrpSpPr>
-        <p:cNvPr id="1" name=""/>
-        <p:cNvGrpSpPr/>
-        <p:nvPr/>
-      </p:nvGrpSpPr>
-      <p:grpSpPr>
-        <a:xfrm>
-          <a:off x="0" y="0"/>
-          <a:ext cx="0" cy="0"/>
-          <a:chOff x="0" y="0"/>
-          <a:chExt cx="0" cy="0"/>
-        </a:xfrm>
-      </p:grpSpPr>
-      <p:pic>
-        <p:nvPicPr>
-          <p:cNvPr id="2" name="Picture 1"/>
-          <p:cNvPicPr>
-            <a:picLocks noChangeAspect="1"/>
-          </p:cNvPicPr>
-          <p:nvPr/>
-        </p:nvPicPr>
-        <p:blipFill rotWithShape="1">
-          <a:blip r:embed="rId2"/>
-          <a:srcRect t="1" b="51199"/>
-          <a:stretch/>
-        </p:blipFill>
-        <p:spPr>
-          <a:xfrm>
-            <a:off x="1052238" y="1872076"/>
-            <a:ext cx="5048044" cy="1356900"/>
-          </a:xfrm>
-          <a:prstGeom prst="rect">
-            <a:avLst/>
-          </a:prstGeom>
-        </p:spPr>
-      </p:pic>
-      <p:sp>
-        <p:nvSpPr>
-          <p:cNvPr id="11" name="Rounded Rectangle 10"/>
-          <p:cNvSpPr/>
-          <p:nvPr/>
-        </p:nvSpPr>
-        <p:spPr>
-          <a:xfrm>
-            <a:off x="6006376" y="1872075"/>
-            <a:ext cx="1223889" cy="506437"/>
-          </a:xfrm>
-          <a:prstGeom prst="roundRect">
-            <a:avLst/>
-          </a:prstGeom>
-          <a:solidFill>
-            <a:schemeClr val="bg1">
-              <a:lumMod val="85000"/>
-            </a:schemeClr>
-          </a:solidFill>
-          <a:ln>
-            <a:solidFill>
-              <a:schemeClr val="tx1">
-                <a:lumMod val="50000"/>
-                <a:lumOff val="50000"/>
-              </a:schemeClr>
-            </a:solidFill>
-          </a:ln>
-        </p:spPr>
-        <p:style>
-          <a:lnRef idx="2">
-            <a:schemeClr val="accent1">
-              <a:shade val="50000"/>
-            </a:schemeClr>
-          </a:lnRef>
-          <a:fillRef idx="1">
-            <a:schemeClr val="accent1"/>
-          </a:fillRef>
-          <a:effectRef idx="0">
-            <a:schemeClr val="accent1"/>
-          </a:effectRef>
-          <a:fontRef idx="minor">
-            <a:schemeClr val="lt1"/>
-          </a:fontRef>
-        </p:style>
-        <p:txBody>
-          <a:bodyPr rtlCol="0" anchor="ctr"/>
-          <a:lstStyle/>
-          <a:p>
-            <a:pPr algn="ctr"/>
-            <a:r>
-              <a:rPr lang="en-US" sz="2200" dirty="0" err="1" smtClean="0">
-                <a:solidFill>
-                  <a:schemeClr val="tx1"/>
-                </a:solidFill>
-                <a:latin typeface="Consolas" panose="020B0609020204030204" pitchFamily="49" charset="0"/>
-                <a:cs typeface="Consolas" panose="020B0609020204030204" pitchFamily="49" charset="0"/>
-              </a:rPr>
-              <a:t>fptr</a:t>
-            </a:r>
-            <a:endParaRPr lang="en-US" sz="2200" dirty="0">
-              <a:solidFill>
-                <a:schemeClr val="tx1"/>
-              </a:solidFill>
-              <a:latin typeface="Consolas" panose="020B0609020204030204" pitchFamily="49" charset="0"/>
-              <a:cs typeface="Consolas" panose="020B0609020204030204" pitchFamily="49" charset="0"/>
-            </a:endParaRPr>
-          </a:p>
-        </p:txBody>
-      </p:sp>
-      <p:cxnSp>
-        <p:nvCxnSpPr>
-          <p:cNvPr id="14" name="Straight Arrow Connector 13"/>
-          <p:cNvCxnSpPr>
-            <a:stCxn id="11" idx="3"/>
-          </p:cNvCxnSpPr>
-          <p:nvPr/>
-        </p:nvCxnSpPr>
-        <p:spPr>
-          <a:xfrm>
-            <a:off x="7230265" y="2125294"/>
-            <a:ext cx="817865" cy="215442"/>
-          </a:xfrm>
-          <a:prstGeom prst="straightConnector1">
-            <a:avLst/>
-          </a:prstGeom>
-          <a:ln>
-            <a:solidFill>
-              <a:schemeClr val="tx1"/>
-            </a:solidFill>
-            <a:tailEnd type="triangle"/>
-          </a:ln>
-        </p:spPr>
-        <p:style>
-          <a:lnRef idx="1">
-            <a:schemeClr val="accent1"/>
-          </a:lnRef>
-          <a:fillRef idx="0">
-            <a:schemeClr val="accent1"/>
-          </a:fillRef>
-          <a:effectRef idx="0">
-            <a:schemeClr val="accent1"/>
-          </a:effectRef>
-          <a:fontRef idx="minor">
-            <a:schemeClr val="tx1"/>
-          </a:fontRef>
-        </p:style>
-      </p:cxnSp>
-      <p:sp>
-        <p:nvSpPr>
-          <p:cNvPr id="8" name="Title 7"/>
-          <p:cNvSpPr>
-            <a:spLocks noGrp="1"/>
-          </p:cNvSpPr>
-          <p:nvPr>
-            <p:ph type="title"/>
-          </p:nvPr>
-        </p:nvSpPr>
-        <p:spPr/>
-        <p:txBody>
-          <a:bodyPr/>
-          <a:lstStyle/>
-          <a:p>
-            <a:r>
-              <a:rPr lang="en-US" dirty="0"/>
-              <a:t>Concept of writing in a </a:t>
-            </a:r>
-            <a:r>
-              <a:rPr lang="en-US" dirty="0" smtClean="0"/>
-              <a:t>File</a:t>
-            </a:r>
-            <a:endParaRPr lang="en-US" dirty="0"/>
-          </a:p>
-        </p:txBody>
-      </p:sp>
-    </p:spTree>
-    <p:extLst>
-      <p:ext uri="{BB962C8B-B14F-4D97-AF65-F5344CB8AC3E}">
-        <p14:creationId xmlns:p14="http://schemas.microsoft.com/office/powerpoint/2010/main" val="4167685902"/>
-      </p:ext>
-    </p:extLst>
-  </p:cSld>
-  <p:clrMapOvr>
-    <a:masterClrMapping/>
-  </p:clrMapOvr>
-  <p:timing>
-    <p:tnLst>
-      <p:par>
-        <p:cTn id="1" dur="indefinite" restart="never" nodeType="tmRoot"/>
-      </p:par>
-    </p:tnLst>
-  </p:timing>
-</p:sld>
-</file>
-
-<file path=ppt/slides/slide14.xml><?xml version="1.0" encoding="utf-8"?>
-<p:sld xmlns:a="http://schemas.openxmlformats.org/drawingml/2006/main" xmlns:r="http://schemas.openxmlformats.org/officeDocument/2006/relationships" xmlns:p="http://schemas.openxmlformats.org/presentationml/2006/main">
-  <p:cSld>
-    <p:spTree>
-      <p:nvGrpSpPr>
-        <p:cNvPr id="1" name=""/>
-        <p:cNvGrpSpPr/>
-        <p:nvPr/>
-      </p:nvGrpSpPr>
-      <p:grpSpPr>
-        <a:xfrm>
-          <a:off x="0" y="0"/>
-          <a:ext cx="0" cy="0"/>
-          <a:chOff x="0" y="0"/>
-          <a:chExt cx="0" cy="0"/>
-        </a:xfrm>
-      </p:grpSpPr>
-      <p:sp>
-        <p:nvSpPr>
-          <p:cNvPr id="5" name="Rectangle 4"/>
-          <p:cNvSpPr/>
-          <p:nvPr/>
-        </p:nvSpPr>
-        <p:spPr>
-          <a:xfrm>
             <a:off x="8048130" y="2125293"/>
             <a:ext cx="812047" cy="1237957"/>
           </a:xfrm>
@@ -6907,7 +4993,7 @@
 </p:sld>
 </file>
 
-<file path=ppt/slides/slide15.xml><?xml version="1.0" encoding="utf-8"?>
+<file path=ppt/slides/slide11.xml><?xml version="1.0" encoding="utf-8"?>
 <p:sld xmlns:a="http://schemas.openxmlformats.org/drawingml/2006/main" xmlns:r="http://schemas.openxmlformats.org/officeDocument/2006/relationships" xmlns:p="http://schemas.openxmlformats.org/presentationml/2006/main">
   <p:cSld>
     <p:spTree>
@@ -7632,7 +5718,7 @@
 </p:sld>
 </file>
 
-<file path=ppt/slides/slide16.xml><?xml version="1.0" encoding="utf-8"?>
+<file path=ppt/slides/slide12.xml><?xml version="1.0" encoding="utf-8"?>
 <p:sld xmlns:a="http://schemas.openxmlformats.org/drawingml/2006/main" xmlns:r="http://schemas.openxmlformats.org/officeDocument/2006/relationships" xmlns:p="http://schemas.openxmlformats.org/presentationml/2006/main">
   <p:cSld>
     <p:spTree>
@@ -8392,7 +6478,7 @@
 </p:sld>
 </file>
 
-<file path=ppt/slides/slide17.xml><?xml version="1.0" encoding="utf-8"?>
+<file path=ppt/slides/slide13.xml><?xml version="1.0" encoding="utf-8"?>
 <p:sld xmlns:a="http://schemas.openxmlformats.org/drawingml/2006/main" xmlns:r="http://schemas.openxmlformats.org/officeDocument/2006/relationships" xmlns:p="http://schemas.openxmlformats.org/presentationml/2006/main">
   <p:cSld>
     <p:spTree>
@@ -8515,7 +6601,7 @@
 </p:sld>
 </file>
 
-<file path=ppt/slides/slide18.xml><?xml version="1.0" encoding="utf-8"?>
+<file path=ppt/slides/slide14.xml><?xml version="1.0" encoding="utf-8"?>
 <p:sld xmlns:a="http://schemas.openxmlformats.org/drawingml/2006/main" xmlns:r="http://schemas.openxmlformats.org/officeDocument/2006/relationships" xmlns:p="http://schemas.openxmlformats.org/presentationml/2006/main">
   <p:cSld>
     <p:spTree>
@@ -8643,7 +6729,7 @@
 </p:sld>
 </file>
 
-<file path=ppt/slides/slide19.xml><?xml version="1.0" encoding="utf-8"?>
+<file path=ppt/slides/slide15.xml><?xml version="1.0" encoding="utf-8"?>
 <p:sld xmlns:a="http://schemas.openxmlformats.org/drawingml/2006/main" xmlns:r="http://schemas.openxmlformats.org/officeDocument/2006/relationships" xmlns:p="http://schemas.openxmlformats.org/presentationml/2006/main">
   <p:cSld>
     <p:spTree>
@@ -9166,184 +7252,7 @@
 </p:sld>
 </file>
 
-<file path=ppt/slides/slide2.xml><?xml version="1.0" encoding="utf-8"?>
-<p:sld xmlns:a="http://schemas.openxmlformats.org/drawingml/2006/main" xmlns:r="http://schemas.openxmlformats.org/officeDocument/2006/relationships" xmlns:p="http://schemas.openxmlformats.org/presentationml/2006/main">
-  <p:cSld>
-    <p:spTree>
-      <p:nvGrpSpPr>
-        <p:cNvPr id="1" name=""/>
-        <p:cNvGrpSpPr/>
-        <p:nvPr/>
-      </p:nvGrpSpPr>
-      <p:grpSpPr>
-        <a:xfrm>
-          <a:off x="0" y="0"/>
-          <a:ext cx="0" cy="0"/>
-          <a:chOff x="0" y="0"/>
-          <a:chExt cx="0" cy="0"/>
-        </a:xfrm>
-      </p:grpSpPr>
-      <p:pic>
-        <p:nvPicPr>
-          <p:cNvPr id="5" name="Picture 6" descr="Image result for computer ram and register diagram"/>
-          <p:cNvPicPr>
-            <a:picLocks noChangeAspect="1" noChangeArrowheads="1"/>
-          </p:cNvPicPr>
-          <p:nvPr/>
-        </p:nvPicPr>
-        <p:blipFill>
-          <a:blip r:embed="rId2">
-            <a:extLst>
-              <a:ext uri="{28A0092B-C50C-407E-A947-70E740481C1C}">
-                <a14:useLocalDpi xmlns:a14="http://schemas.microsoft.com/office/drawing/2010/main" val="0"/>
-              </a:ext>
-            </a:extLst>
-          </a:blip>
-          <a:srcRect/>
-          <a:stretch>
-            <a:fillRect/>
-          </a:stretch>
-        </p:blipFill>
-        <p:spPr bwMode="auto">
-          <a:xfrm>
-            <a:off x="721810" y="2235153"/>
-            <a:ext cx="7056117" cy="3468262"/>
-          </a:xfrm>
-          <a:prstGeom prst="rect">
-            <a:avLst/>
-          </a:prstGeom>
-          <a:noFill/>
-          <a:extLst>
-            <a:ext uri="{909E8E84-426E-40DD-AFC4-6F175D3DCCD1}">
-              <a14:hiddenFill xmlns:a14="http://schemas.microsoft.com/office/drawing/2010/main">
-                <a:solidFill>
-                  <a:srgbClr val="FFFFFF"/>
-                </a:solidFill>
-              </a14:hiddenFill>
-            </a:ext>
-          </a:extLst>
-        </p:spPr>
-      </p:pic>
-      <p:sp>
-        <p:nvSpPr>
-          <p:cNvPr id="6" name="Rectangle 5"/>
-          <p:cNvSpPr/>
-          <p:nvPr/>
-        </p:nvSpPr>
-        <p:spPr>
-          <a:xfrm>
-            <a:off x="210243" y="6396335"/>
-            <a:ext cx="7567684" cy="461665"/>
-          </a:xfrm>
-          <a:prstGeom prst="rect">
-            <a:avLst/>
-          </a:prstGeom>
-        </p:spPr>
-        <p:txBody>
-          <a:bodyPr wrap="square">
-            <a:spAutoFit/>
-          </a:bodyPr>
-          <a:lstStyle/>
-          <a:p>
-            <a:r>
-              <a:rPr lang="en-US" sz="1200" dirty="0">
-                <a:solidFill>
-                  <a:schemeClr val="bg1">
-                    <a:lumMod val="50000"/>
-                  </a:schemeClr>
-                </a:solidFill>
-                <a:latin typeface="Open Sans" pitchFamily="34" charset="0"/>
-                <a:ea typeface="Open Sans" pitchFamily="34" charset="0"/>
-                <a:cs typeface="Open Sans" pitchFamily="34" charset="0"/>
-              </a:rPr>
-              <a:t>https://www.doc.ic.ac.uk/~</a:t>
-            </a:r>
-            <a:r>
-              <a:rPr lang="en-US" sz="1200" dirty="0" smtClean="0">
-                <a:solidFill>
-                  <a:schemeClr val="bg1">
-                    <a:lumMod val="50000"/>
-                  </a:schemeClr>
-                </a:solidFill>
-                <a:latin typeface="Open Sans" pitchFamily="34" charset="0"/>
-                <a:ea typeface="Open Sans" pitchFamily="34" charset="0"/>
-                <a:cs typeface="Open Sans" pitchFamily="34" charset="0"/>
-              </a:rPr>
-              <a:t>eedwards/compsys/memory/index.html</a:t>
-            </a:r>
-          </a:p>
-          <a:p>
-            <a:r>
-              <a:rPr lang="en-US" sz="1200" dirty="0">
-                <a:solidFill>
-                  <a:schemeClr val="bg1">
-                    <a:lumMod val="50000"/>
-                  </a:schemeClr>
-                </a:solidFill>
-                <a:latin typeface="Open Sans" pitchFamily="34" charset="0"/>
-                <a:ea typeface="Open Sans" pitchFamily="34" charset="0"/>
-                <a:cs typeface="Open Sans" pitchFamily="34" charset="0"/>
-              </a:rPr>
-              <a:t>https://www.ibm.com/developerworks/library/pa-dalign/index.html</a:t>
-            </a:r>
-          </a:p>
-        </p:txBody>
-      </p:sp>
-      <p:sp>
-        <p:nvSpPr>
-          <p:cNvPr id="10" name="Title 9"/>
-          <p:cNvSpPr>
-            <a:spLocks noGrp="1"/>
-          </p:cNvSpPr>
-          <p:nvPr>
-            <p:ph type="title"/>
-          </p:nvPr>
-        </p:nvSpPr>
-        <p:spPr>
-          <a:xfrm>
-            <a:off x="822959" y="286604"/>
-            <a:ext cx="7873039" cy="1450757"/>
-          </a:xfrm>
-        </p:spPr>
-        <p:txBody>
-          <a:bodyPr>
-            <a:normAutofit/>
-          </a:bodyPr>
-          <a:lstStyle/>
-          <a:p>
-            <a:r>
-              <a:rPr lang="en-US" dirty="0"/>
-              <a:t>Two different types of </a:t>
-            </a:r>
-            <a:r>
-              <a:rPr lang="en-US" dirty="0" smtClean="0"/>
-              <a:t>memory</a:t>
-            </a:r>
-            <a:endParaRPr lang="en-US" dirty="0"/>
-          </a:p>
-        </p:txBody>
-      </p:sp>
-    </p:spTree>
-    <p:extLst>
-      <p:ext uri="{BB962C8B-B14F-4D97-AF65-F5344CB8AC3E}">
-        <p14:creationId xmlns:p14="http://schemas.microsoft.com/office/powerpoint/2010/main" val="4140366916"/>
-      </p:ext>
-    </p:extLst>
-  </p:cSld>
-  <p:clrMapOvr>
-    <a:masterClrMapping/>
-  </p:clrMapOvr>
-  <p:timing>
-    <p:tnLst>
-      <p:par>
-        <p:cTn id="1" dur="indefinite" restart="never" nodeType="tmRoot"/>
-      </p:par>
-    </p:tnLst>
-  </p:timing>
-</p:sld>
-</file>
-
-<file path=ppt/slides/slide20.xml><?xml version="1.0" encoding="utf-8"?>
+<file path=ppt/slides/slide16.xml><?xml version="1.0" encoding="utf-8"?>
 <p:sld xmlns:a="http://schemas.openxmlformats.org/drawingml/2006/main" xmlns:r="http://schemas.openxmlformats.org/officeDocument/2006/relationships" xmlns:p="http://schemas.openxmlformats.org/presentationml/2006/main">
   <p:cSld>
     <p:spTree>
@@ -9462,7 +7371,7 @@
 </p:sld>
 </file>
 
-<file path=ppt/slides/slide21.xml><?xml version="1.0" encoding="utf-8"?>
+<file path=ppt/slides/slide17.xml><?xml version="1.0" encoding="utf-8"?>
 <p:sld xmlns:a="http://schemas.openxmlformats.org/drawingml/2006/main" xmlns:r="http://schemas.openxmlformats.org/officeDocument/2006/relationships" xmlns:p="http://schemas.openxmlformats.org/presentationml/2006/main">
   <p:cSld>
     <p:spTree>
@@ -9967,7 +7876,7 @@
 </p:sld>
 </file>
 
-<file path=ppt/slides/slide22.xml><?xml version="1.0" encoding="utf-8"?>
+<file path=ppt/slides/slide18.xml><?xml version="1.0" encoding="utf-8"?>
 <p:sld xmlns:a="http://schemas.openxmlformats.org/drawingml/2006/main" xmlns:r="http://schemas.openxmlformats.org/officeDocument/2006/relationships" xmlns:p="http://schemas.openxmlformats.org/presentationml/2006/main">
   <p:cSld>
     <p:spTree>
@@ -10054,7 +7963,7 @@
 </p:sld>
 </file>
 
-<file path=ppt/slides/slide23.xml><?xml version="1.0" encoding="utf-8"?>
+<file path=ppt/slides/slide19.xml><?xml version="1.0" encoding="utf-8"?>
 <p:sld xmlns:a="http://schemas.openxmlformats.org/drawingml/2006/main" xmlns:r="http://schemas.openxmlformats.org/officeDocument/2006/relationships" xmlns:p="http://schemas.openxmlformats.org/presentationml/2006/main">
   <p:cSld>
     <p:spTree>
@@ -10133,6 +8042,183 @@
     <p:extLst>
       <p:ext uri="{BB962C8B-B14F-4D97-AF65-F5344CB8AC3E}">
         <p14:creationId xmlns:p14="http://schemas.microsoft.com/office/powerpoint/2010/main" val="506872564"/>
+      </p:ext>
+    </p:extLst>
+  </p:cSld>
+  <p:clrMapOvr>
+    <a:masterClrMapping/>
+  </p:clrMapOvr>
+  <p:timing>
+    <p:tnLst>
+      <p:par>
+        <p:cTn id="1" dur="indefinite" restart="never" nodeType="tmRoot"/>
+      </p:par>
+    </p:tnLst>
+  </p:timing>
+</p:sld>
+</file>
+
+<file path=ppt/slides/slide2.xml><?xml version="1.0" encoding="utf-8"?>
+<p:sld xmlns:a="http://schemas.openxmlformats.org/drawingml/2006/main" xmlns:r="http://schemas.openxmlformats.org/officeDocument/2006/relationships" xmlns:p="http://schemas.openxmlformats.org/presentationml/2006/main">
+  <p:cSld>
+    <p:spTree>
+      <p:nvGrpSpPr>
+        <p:cNvPr id="1" name=""/>
+        <p:cNvGrpSpPr/>
+        <p:nvPr/>
+      </p:nvGrpSpPr>
+      <p:grpSpPr>
+        <a:xfrm>
+          <a:off x="0" y="0"/>
+          <a:ext cx="0" cy="0"/>
+          <a:chOff x="0" y="0"/>
+          <a:chExt cx="0" cy="0"/>
+        </a:xfrm>
+      </p:grpSpPr>
+      <p:pic>
+        <p:nvPicPr>
+          <p:cNvPr id="5" name="Picture 6" descr="Image result for computer ram and register diagram"/>
+          <p:cNvPicPr>
+            <a:picLocks noChangeAspect="1" noChangeArrowheads="1"/>
+          </p:cNvPicPr>
+          <p:nvPr/>
+        </p:nvPicPr>
+        <p:blipFill>
+          <a:blip r:embed="rId2">
+            <a:extLst>
+              <a:ext uri="{28A0092B-C50C-407E-A947-70E740481C1C}">
+                <a14:useLocalDpi xmlns:a14="http://schemas.microsoft.com/office/drawing/2010/main" val="0"/>
+              </a:ext>
+            </a:extLst>
+          </a:blip>
+          <a:srcRect/>
+          <a:stretch>
+            <a:fillRect/>
+          </a:stretch>
+        </p:blipFill>
+        <p:spPr bwMode="auto">
+          <a:xfrm>
+            <a:off x="721810" y="2235153"/>
+            <a:ext cx="7056117" cy="3468262"/>
+          </a:xfrm>
+          <a:prstGeom prst="rect">
+            <a:avLst/>
+          </a:prstGeom>
+          <a:noFill/>
+          <a:extLst>
+            <a:ext uri="{909E8E84-426E-40DD-AFC4-6F175D3DCCD1}">
+              <a14:hiddenFill xmlns:a14="http://schemas.microsoft.com/office/drawing/2010/main">
+                <a:solidFill>
+                  <a:srgbClr val="FFFFFF"/>
+                </a:solidFill>
+              </a14:hiddenFill>
+            </a:ext>
+          </a:extLst>
+        </p:spPr>
+      </p:pic>
+      <p:sp>
+        <p:nvSpPr>
+          <p:cNvPr id="6" name="Rectangle 5"/>
+          <p:cNvSpPr/>
+          <p:nvPr/>
+        </p:nvSpPr>
+        <p:spPr>
+          <a:xfrm>
+            <a:off x="210243" y="6396335"/>
+            <a:ext cx="7567684" cy="461665"/>
+          </a:xfrm>
+          <a:prstGeom prst="rect">
+            <a:avLst/>
+          </a:prstGeom>
+        </p:spPr>
+        <p:txBody>
+          <a:bodyPr wrap="square">
+            <a:spAutoFit/>
+          </a:bodyPr>
+          <a:lstStyle/>
+          <a:p>
+            <a:r>
+              <a:rPr lang="en-US" sz="1200" dirty="0">
+                <a:solidFill>
+                  <a:schemeClr val="bg1">
+                    <a:lumMod val="50000"/>
+                  </a:schemeClr>
+                </a:solidFill>
+                <a:latin typeface="Open Sans" pitchFamily="34" charset="0"/>
+                <a:ea typeface="Open Sans" pitchFamily="34" charset="0"/>
+                <a:cs typeface="Open Sans" pitchFamily="34" charset="0"/>
+              </a:rPr>
+              <a:t>https://www.doc.ic.ac.uk/~</a:t>
+            </a:r>
+            <a:r>
+              <a:rPr lang="en-US" sz="1200" dirty="0" smtClean="0">
+                <a:solidFill>
+                  <a:schemeClr val="bg1">
+                    <a:lumMod val="50000"/>
+                  </a:schemeClr>
+                </a:solidFill>
+                <a:latin typeface="Open Sans" pitchFamily="34" charset="0"/>
+                <a:ea typeface="Open Sans" pitchFamily="34" charset="0"/>
+                <a:cs typeface="Open Sans" pitchFamily="34" charset="0"/>
+              </a:rPr>
+              <a:t>eedwards/compsys/memory/index.html</a:t>
+            </a:r>
+          </a:p>
+          <a:p>
+            <a:r>
+              <a:rPr lang="en-US" sz="1200" dirty="0">
+                <a:solidFill>
+                  <a:schemeClr val="bg1">
+                    <a:lumMod val="50000"/>
+                  </a:schemeClr>
+                </a:solidFill>
+                <a:latin typeface="Open Sans" pitchFamily="34" charset="0"/>
+                <a:ea typeface="Open Sans" pitchFamily="34" charset="0"/>
+                <a:cs typeface="Open Sans" pitchFamily="34" charset="0"/>
+              </a:rPr>
+              <a:t>https://www.ibm.com/developerworks/library/pa-dalign/index.html</a:t>
+            </a:r>
+          </a:p>
+        </p:txBody>
+      </p:sp>
+      <p:sp>
+        <p:nvSpPr>
+          <p:cNvPr id="10" name="Title 9"/>
+          <p:cNvSpPr>
+            <a:spLocks noGrp="1"/>
+          </p:cNvSpPr>
+          <p:nvPr>
+            <p:ph type="title"/>
+          </p:nvPr>
+        </p:nvSpPr>
+        <p:spPr>
+          <a:xfrm>
+            <a:off x="822959" y="286604"/>
+            <a:ext cx="7873039" cy="1450757"/>
+          </a:xfrm>
+        </p:spPr>
+        <p:txBody>
+          <a:bodyPr>
+            <a:normAutofit/>
+          </a:bodyPr>
+          <a:lstStyle/>
+          <a:p>
+            <a:r>
+              <a:rPr lang="en-US" dirty="0"/>
+              <a:t>Two different types of </a:t>
+            </a:r>
+            <a:r>
+              <a:rPr lang="en-US" dirty="0" smtClean="0"/>
+              <a:t>memory</a:t>
+            </a:r>
+            <a:endParaRPr lang="en-US" dirty="0"/>
+          </a:p>
+        </p:txBody>
+      </p:sp>
+    </p:spTree>
+    <p:extLst>
+      <p:ext uri="{BB962C8B-B14F-4D97-AF65-F5344CB8AC3E}">
+        <p14:creationId xmlns:p14="http://schemas.microsoft.com/office/powerpoint/2010/main" val="4140366916"/>
       </p:ext>
     </p:extLst>
   </p:cSld>
@@ -11748,13 +9834,13 @@
         </p:nvPicPr>
         <p:blipFill rotWithShape="1">
           <a:blip r:embed="rId2"/>
-          <a:srcRect t="2931" r="40451" b="81453"/>
+          <a:srcRect t="1" b="80488"/>
           <a:stretch/>
         </p:blipFill>
         <p:spPr>
           <a:xfrm>
-            <a:off x="822960" y="1985962"/>
-            <a:ext cx="3006090" cy="434201"/>
+            <a:off x="1052238" y="1872075"/>
+            <a:ext cx="5048044" cy="542513"/>
           </a:xfrm>
           <a:prstGeom prst="rect">
             <a:avLst/>
@@ -11769,7 +9855,7 @@
         </p:nvSpPr>
         <p:spPr>
           <a:xfrm>
-            <a:off x="4979311" y="1913726"/>
+            <a:off x="6006376" y="1872075"/>
             <a:ext cx="1223889" cy="506437"/>
           </a:xfrm>
           <a:prstGeom prst="roundRect">
@@ -11840,8 +9926,8 @@
         </p:nvCxnSpPr>
         <p:spPr>
           <a:xfrm>
-            <a:off x="6203200" y="2166945"/>
-            <a:ext cx="597650" cy="4755"/>
+            <a:off x="7230265" y="2125294"/>
+            <a:ext cx="817865" cy="215442"/>
           </a:xfrm>
           <a:prstGeom prst="straightConnector1">
             <a:avLst/>
@@ -11870,7 +9956,7 @@
       </p:cxnSp>
       <p:sp>
         <p:nvSpPr>
-          <p:cNvPr id="3" name="Title 2"/>
+          <p:cNvPr id="8" name="Title 7"/>
           <p:cNvSpPr>
             <a:spLocks noGrp="1"/>
           </p:cNvSpPr>
@@ -11898,7 +9984,7 @@
     </p:spTree>
     <p:extLst>
       <p:ext uri="{BB962C8B-B14F-4D97-AF65-F5344CB8AC3E}">
-        <p14:creationId xmlns:p14="http://schemas.microsoft.com/office/powerpoint/2010/main" val="3830841086"/>
+        <p14:creationId xmlns:p14="http://schemas.microsoft.com/office/powerpoint/2010/main" val="1715867706"/>
       </p:ext>
     </p:extLst>
   </p:cSld>
@@ -11942,13 +10028,13 @@
         </p:nvPicPr>
         <p:blipFill rotWithShape="1">
           <a:blip r:embed="rId2"/>
-          <a:srcRect t="2931" r="40451" b="81453"/>
+          <a:srcRect t="1" b="51199"/>
           <a:stretch/>
         </p:blipFill>
         <p:spPr>
           <a:xfrm>
-            <a:off x="822960" y="1985962"/>
-            <a:ext cx="3006090" cy="434201"/>
+            <a:off x="1052238" y="1872076"/>
+            <a:ext cx="5048044" cy="1356900"/>
           </a:xfrm>
           <a:prstGeom prst="rect">
             <a:avLst/>
@@ -11963,7 +10049,7 @@
         </p:nvSpPr>
         <p:spPr>
           <a:xfrm>
-            <a:off x="4979311" y="1913726"/>
+            <a:off x="6006376" y="1872075"/>
             <a:ext cx="1223889" cy="506437"/>
           </a:xfrm>
           <a:prstGeom prst="roundRect">
@@ -12034,8 +10120,8 @@
         </p:nvCxnSpPr>
         <p:spPr>
           <a:xfrm>
-            <a:off x="6203200" y="2166945"/>
-            <a:ext cx="597650" cy="4755"/>
+            <a:off x="7230265" y="2125294"/>
+            <a:ext cx="817865" cy="215442"/>
           </a:xfrm>
           <a:prstGeom prst="straightConnector1">
             <a:avLst/>
@@ -12064,7 +10150,7 @@
       </p:cxnSp>
       <p:sp>
         <p:nvSpPr>
-          <p:cNvPr id="3" name="Title 2"/>
+          <p:cNvPr id="8" name="Title 7"/>
           <p:cNvSpPr>
             <a:spLocks noGrp="1"/>
           </p:cNvSpPr>
@@ -12089,33 +10175,10 @@
           </a:p>
         </p:txBody>
       </p:sp>
-      <p:pic>
-        <p:nvPicPr>
-          <p:cNvPr id="6" name="Picture 5"/>
-          <p:cNvPicPr>
-            <a:picLocks noChangeAspect="1"/>
-          </p:cNvPicPr>
-          <p:nvPr/>
-        </p:nvPicPr>
-        <p:blipFill rotWithShape="1">
-          <a:blip r:embed="rId2"/>
-          <a:srcRect r="6204" b="57168"/>
-          <a:stretch/>
-        </p:blipFill>
-        <p:spPr>
-          <a:xfrm>
-            <a:off x="822960" y="1913726"/>
-            <a:ext cx="4734878" cy="1190951"/>
-          </a:xfrm>
-          <a:prstGeom prst="rect">
-            <a:avLst/>
-          </a:prstGeom>
-        </p:spPr>
-      </p:pic>
     </p:spTree>
     <p:extLst>
       <p:ext uri="{BB962C8B-B14F-4D97-AF65-F5344CB8AC3E}">
-        <p14:creationId xmlns:p14="http://schemas.microsoft.com/office/powerpoint/2010/main" val="819139938"/>
+        <p14:creationId xmlns:p14="http://schemas.microsoft.com/office/powerpoint/2010/main" val="4167685902"/>
       </p:ext>
     </p:extLst>
   </p:cSld>
